--- a/database/제약조건.pptx
+++ b/database/제약조건.pptx
@@ -22,18 +22,24 @@
     <p:sldId id="418" r:id="rId16"/>
     <p:sldId id="419" r:id="rId17"/>
     <p:sldId id="420" r:id="rId18"/>
-    <p:sldId id="421" r:id="rId19"/>
-    <p:sldId id="422" r:id="rId20"/>
-    <p:sldId id="423" r:id="rId21"/>
-    <p:sldId id="424" r:id="rId22"/>
-    <p:sldId id="425" r:id="rId23"/>
-    <p:sldId id="426" r:id="rId24"/>
-    <p:sldId id="427" r:id="rId25"/>
-    <p:sldId id="428" r:id="rId26"/>
-    <p:sldId id="429" r:id="rId27"/>
-    <p:sldId id="430" r:id="rId28"/>
-    <p:sldId id="431" r:id="rId29"/>
-    <p:sldId id="432" r:id="rId30"/>
+    <p:sldId id="436" r:id="rId19"/>
+    <p:sldId id="437" r:id="rId20"/>
+    <p:sldId id="421" r:id="rId21"/>
+    <p:sldId id="435" r:id="rId22"/>
+    <p:sldId id="422" r:id="rId23"/>
+    <p:sldId id="423" r:id="rId24"/>
+    <p:sldId id="424" r:id="rId25"/>
+    <p:sldId id="425" r:id="rId26"/>
+    <p:sldId id="426" r:id="rId27"/>
+    <p:sldId id="433" r:id="rId28"/>
+    <p:sldId id="434" r:id="rId29"/>
+    <p:sldId id="427" r:id="rId30"/>
+    <p:sldId id="428" r:id="rId31"/>
+    <p:sldId id="429" r:id="rId32"/>
+    <p:sldId id="430" r:id="rId33"/>
+    <p:sldId id="438" r:id="rId34"/>
+    <p:sldId id="431" r:id="rId35"/>
+    <p:sldId id="432" r:id="rId36"/>
   </p:sldIdLst>
   <p:sldSz cx="12192000" cy="6858000"/>
   <p:notesSz cx="6858000" cy="9144000"/>
@@ -157,16 +163,22 @@
             <p14:sldId id="418"/>
             <p14:sldId id="419"/>
             <p14:sldId id="420"/>
+            <p14:sldId id="436"/>
+            <p14:sldId id="437"/>
             <p14:sldId id="421"/>
+            <p14:sldId id="435"/>
             <p14:sldId id="422"/>
             <p14:sldId id="423"/>
             <p14:sldId id="424"/>
             <p14:sldId id="425"/>
             <p14:sldId id="426"/>
+            <p14:sldId id="433"/>
+            <p14:sldId id="434"/>
             <p14:sldId id="427"/>
             <p14:sldId id="428"/>
             <p14:sldId id="429"/>
             <p14:sldId id="430"/>
+            <p14:sldId id="438"/>
             <p14:sldId id="431"/>
             <p14:sldId id="432"/>
           </p14:sldIdLst>
@@ -345,7 +357,7 @@
                 </a:solidFill>
               </a:rPr>
               <a:pPr/>
-              <a:t>2022-06-12</a:t>
+              <a:t>2022-06-14</a:t>
             </a:fld>
             <a:endParaRPr lang="ko-KR" altLang="en-US">
               <a:solidFill>
@@ -575,7 +587,7 @@
                 </a:solidFill>
               </a:rPr>
               <a:pPr/>
-              <a:t>2022-06-12</a:t>
+              <a:t>2022-06-14</a:t>
             </a:fld>
             <a:endParaRPr lang="ko-KR" altLang="en-US">
               <a:solidFill>
@@ -815,7 +827,7 @@
                 </a:solidFill>
               </a:rPr>
               <a:pPr/>
-              <a:t>2022-06-12</a:t>
+              <a:t>2022-06-14</a:t>
             </a:fld>
             <a:endParaRPr lang="ko-KR" altLang="en-US">
               <a:solidFill>
@@ -1047,7 +1059,7 @@
                 <a:latin typeface="맑은 고딕" charset="0"/>
                 <a:ea typeface="맑은 고딕" charset="0"/>
               </a:rPr>
-              <a:t>2022-06-12</a:t>
+              <a:t>2022-06-14</a:t>
             </a:fld>
             <a:endParaRPr lang="ko-KR" altLang="en-US">
               <a:solidFill>
@@ -1326,7 +1338,7 @@
                 <a:latin typeface="맑은 고딕" charset="0"/>
                 <a:ea typeface="맑은 고딕" charset="0"/>
               </a:rPr>
-              <a:t>2022-06-12</a:t>
+              <a:t>2022-06-14</a:t>
             </a:fld>
             <a:endParaRPr lang="ko-KR" altLang="en-US">
               <a:solidFill>
@@ -1568,7 +1580,7 @@
                 <a:latin typeface="맑은 고딕" charset="0"/>
                 <a:ea typeface="맑은 고딕" charset="0"/>
               </a:rPr>
-              <a:t>2022-06-12</a:t>
+              <a:t>2022-06-14</a:t>
             </a:fld>
             <a:endParaRPr lang="ko-KR" altLang="en-US">
               <a:solidFill>
@@ -1923,7 +1935,7 @@
                 <a:latin typeface="맑은 고딕" charset="0"/>
                 <a:ea typeface="맑은 고딕" charset="0"/>
               </a:rPr>
-              <a:t>2022-06-12</a:t>
+              <a:t>2022-06-14</a:t>
             </a:fld>
             <a:endParaRPr lang="ko-KR" altLang="en-US">
               <a:solidFill>
@@ -2356,7 +2368,7 @@
                 <a:latin typeface="맑은 고딕" charset="0"/>
                 <a:ea typeface="맑은 고딕" charset="0"/>
               </a:rPr>
-              <a:t>2022-06-12</a:t>
+              <a:t>2022-06-14</a:t>
             </a:fld>
             <a:endParaRPr lang="ko-KR" altLang="en-US">
               <a:solidFill>
@@ -2559,7 +2571,7 @@
                 <a:latin typeface="맑은 고딕" charset="0"/>
                 <a:ea typeface="맑은 고딕" charset="0"/>
               </a:rPr>
-              <a:t>2022-06-12</a:t>
+              <a:t>2022-06-14</a:t>
             </a:fld>
             <a:endParaRPr lang="ko-KR" altLang="en-US">
               <a:solidFill>
@@ -2723,7 +2735,7 @@
                 <a:latin typeface="맑은 고딕" charset="0"/>
                 <a:ea typeface="맑은 고딕" charset="0"/>
               </a:rPr>
-              <a:t>2022-06-12</a:t>
+              <a:t>2022-06-14</a:t>
             </a:fld>
             <a:endParaRPr lang="ko-KR" altLang="en-US">
               <a:solidFill>
@@ -3041,7 +3053,7 @@
                 <a:latin typeface="맑은 고딕" charset="0"/>
                 <a:ea typeface="맑은 고딕" charset="0"/>
               </a:rPr>
-              <a:t>2022-06-12</a:t>
+              <a:t>2022-06-14</a:t>
             </a:fld>
             <a:endParaRPr lang="ko-KR" altLang="en-US">
               <a:solidFill>
@@ -3281,7 +3293,7 @@
                 </a:solidFill>
               </a:rPr>
               <a:pPr/>
-              <a:t>2022-06-12</a:t>
+              <a:t>2022-06-14</a:t>
             </a:fld>
             <a:endParaRPr lang="ko-KR" altLang="en-US">
               <a:solidFill>
@@ -3533,7 +3545,7 @@
                 <a:latin typeface="맑은 고딕" charset="0"/>
                 <a:ea typeface="맑은 고딕" charset="0"/>
               </a:rPr>
-              <a:t>2022-06-12</a:t>
+              <a:t>2022-06-14</a:t>
             </a:fld>
             <a:endParaRPr lang="ko-KR" altLang="en-US">
               <a:solidFill>
@@ -3812,7 +3824,7 @@
                 <a:latin typeface="맑은 고딕" charset="0"/>
                 <a:ea typeface="맑은 고딕" charset="0"/>
               </a:rPr>
-              <a:t>2022-06-12</a:t>
+              <a:t>2022-06-14</a:t>
             </a:fld>
             <a:endParaRPr lang="ko-KR" altLang="en-US">
               <a:solidFill>
@@ -4091,7 +4103,7 @@
                 <a:latin typeface="맑은 고딕" charset="0"/>
                 <a:ea typeface="맑은 고딕" charset="0"/>
               </a:rPr>
-              <a:t>2022-06-12</a:t>
+              <a:t>2022-06-14</a:t>
             </a:fld>
             <a:endParaRPr lang="ko-KR" altLang="en-US">
               <a:solidFill>
@@ -4408,7 +4420,7 @@
                 </a:solidFill>
               </a:rPr>
               <a:pPr/>
-              <a:t>2022-06-12</a:t>
+              <a:t>2022-06-14</a:t>
             </a:fld>
             <a:endParaRPr lang="ko-KR" altLang="en-US">
               <a:solidFill>
@@ -4705,7 +4717,7 @@
                 </a:solidFill>
               </a:rPr>
               <a:pPr/>
-              <a:t>2022-06-12</a:t>
+              <a:t>2022-06-14</a:t>
             </a:fld>
             <a:endParaRPr lang="ko-KR" altLang="en-US">
               <a:solidFill>
@@ -5149,7 +5161,7 @@
                 </a:solidFill>
               </a:rPr>
               <a:pPr/>
-              <a:t>2022-06-12</a:t>
+              <a:t>2022-06-14</a:t>
             </a:fld>
             <a:endParaRPr lang="ko-KR" altLang="en-US">
               <a:solidFill>
@@ -5322,7 +5334,7 @@
                 </a:solidFill>
               </a:rPr>
               <a:pPr/>
-              <a:t>2022-06-12</a:t>
+              <a:t>2022-06-14</a:t>
             </a:fld>
             <a:endParaRPr lang="ko-KR" altLang="en-US">
               <a:solidFill>
@@ -5467,7 +5479,7 @@
                 </a:solidFill>
               </a:rPr>
               <a:pPr/>
-              <a:t>2022-06-12</a:t>
+              <a:t>2022-06-14</a:t>
             </a:fld>
             <a:endParaRPr lang="ko-KR" altLang="en-US">
               <a:solidFill>
@@ -6836,7 +6848,7 @@
                 </a:solidFill>
               </a:rPr>
               <a:pPr/>
-              <a:t>2022-06-12</a:t>
+              <a:t>2022-06-14</a:t>
             </a:fld>
             <a:endParaRPr lang="ko-KR" altLang="en-US">
               <a:solidFill>
@@ -7156,7 +7168,7 @@
                 </a:solidFill>
               </a:rPr>
               <a:pPr/>
-              <a:t>2022-06-12</a:t>
+              <a:t>2022-06-14</a:t>
             </a:fld>
             <a:endParaRPr lang="ko-KR" altLang="en-US">
               <a:solidFill>
@@ -7429,7 +7441,7 @@
                 </a:solidFill>
               </a:rPr>
               <a:pPr/>
-              <a:t>2022-06-12</a:t>
+              <a:t>2022-06-14</a:t>
             </a:fld>
             <a:endParaRPr lang="ko-KR" altLang="en-US">
               <a:solidFill>
@@ -8030,7 +8042,7 @@
                 <a:latin typeface="맑은 고딕" charset="0"/>
                 <a:ea typeface="맑은 고딕" charset="0"/>
               </a:rPr>
-              <a:t>2022-06-12</a:t>
+              <a:t>2022-06-14</a:t>
             </a:fld>
             <a:endParaRPr lang="ko-KR" altLang="en-US">
               <a:solidFill>
@@ -8293,6 +8305,13 @@
   <p:clrMapOvr>
     <a:masterClrMapping/>
   </p:clrMapOvr>
+  <p:timing>
+    <p:tnLst>
+      <p:par>
+        <p:cTn id="1" dur="indefinite" restart="never" nodeType="tmRoot"/>
+      </p:par>
+    </p:tnLst>
+  </p:timing>
 </p:sld>
 </file>
 
@@ -8711,6 +8730,13 @@
   <p:clrMapOvr>
     <a:masterClrMapping/>
   </p:clrMapOvr>
+  <p:timing>
+    <p:tnLst>
+      <p:par>
+        <p:cTn id="1" dur="indefinite" restart="never" nodeType="tmRoot"/>
+      </p:par>
+    </p:tnLst>
+  </p:timing>
 </p:sld>
 </file>
 
@@ -9159,6 +9185,13 @@
   <p:clrMapOvr>
     <a:masterClrMapping/>
   </p:clrMapOvr>
+  <p:timing>
+    <p:tnLst>
+      <p:par>
+        <p:cTn id="1" dur="indefinite" restart="never" nodeType="tmRoot"/>
+      </p:par>
+    </p:tnLst>
+  </p:timing>
 </p:sld>
 </file>
 
@@ -9535,6 +9568,13 @@
   <p:clrMapOvr>
     <a:masterClrMapping/>
   </p:clrMapOvr>
+  <p:timing>
+    <p:tnLst>
+      <p:par>
+        <p:cTn id="1" dur="indefinite" restart="never" nodeType="tmRoot"/>
+      </p:par>
+    </p:tnLst>
+  </p:timing>
 </p:sld>
 </file>
 
@@ -9924,6 +9964,13 @@
   <p:clrMapOvr>
     <a:masterClrMapping/>
   </p:clrMapOvr>
+  <p:timing>
+    <p:tnLst>
+      <p:par>
+        <p:cTn id="1" dur="indefinite" restart="never" nodeType="tmRoot"/>
+      </p:par>
+    </p:tnLst>
+  </p:timing>
 </p:sld>
 </file>
 
@@ -10342,6 +10389,13 @@
   <p:clrMapOvr>
     <a:masterClrMapping/>
   </p:clrMapOvr>
+  <p:timing>
+    <p:tnLst>
+      <p:par>
+        <p:cTn id="1" dur="indefinite" restart="never" nodeType="tmRoot"/>
+      </p:par>
+    </p:tnLst>
+  </p:timing>
 </p:sld>
 </file>
 
@@ -10743,6 +10797,13 @@
   <p:clrMapOvr>
     <a:masterClrMapping/>
   </p:clrMapOvr>
+  <p:timing>
+    <p:tnLst>
+      <p:par>
+        <p:cTn id="1" dur="indefinite" restart="never" nodeType="tmRoot"/>
+      </p:par>
+    </p:tnLst>
+  </p:timing>
 </p:sld>
 </file>
 
@@ -11161,6 +11222,13 @@
   <p:clrMapOvr>
     <a:masterClrMapping/>
   </p:clrMapOvr>
+  <p:timing>
+    <p:tnLst>
+      <p:par>
+        <p:cTn id="1" dur="indefinite" restart="never" nodeType="tmRoot"/>
+      </p:par>
+    </p:tnLst>
+  </p:timing>
 </p:sld>
 </file>
 
@@ -11438,7 +11506,6 @@
               <a:rPr lang="en-US" altLang="ko-KR" sz="2400" dirty="0"/>
               <a:t> ALTER TABLE GET_DON MODIFY COLUMN AGE INT UNIQUE;</a:t>
             </a:r>
-            <a:endParaRPr lang="en-US" altLang="ko-KR" sz="2400" dirty="0"/>
           </a:p>
         </p:txBody>
       </p:sp>
@@ -11498,13 +11565,20 @@
     </p:spTree>
     <p:extLst>
       <p:ext uri="{BB962C8B-B14F-4D97-AF65-F5344CB8AC3E}">
-        <p14:creationId xmlns:p14="http://schemas.microsoft.com/office/powerpoint/2010/main" val="1816193471"/>
+        <p14:creationId xmlns:p14="http://schemas.microsoft.com/office/powerpoint/2010/main" val="2428114322"/>
       </p:ext>
     </p:extLst>
   </p:cSld>
   <p:clrMapOvr>
     <a:masterClrMapping/>
   </p:clrMapOvr>
+  <p:timing>
+    <p:tnLst>
+      <p:par>
+        <p:cTn id="1" dur="indefinite" restart="never" nodeType="tmRoot"/>
+      </p:par>
+    </p:tnLst>
+  </p:timing>
 </p:sld>
 </file>
 
@@ -11577,7 +11651,7 @@
       </p:sp>
       <p:sp>
         <p:nvSpPr>
-          <p:cNvPr id="7" name="내용 개체 틀 2"/>
+          <p:cNvPr id="5" name="내용 개체 틀 2"/>
           <p:cNvSpPr txBox="1">
             <a:spLocks/>
           </p:cNvSpPr>
@@ -11767,43 +11841,94 @@
             </a:pPr>
             <a:r>
               <a:rPr lang="ko-KR" altLang="en-US" dirty="0" smtClean="0"/>
-              <a:t>실습 </a:t>
-            </a:r>
+              <a:t>조회</a:t>
+            </a:r>
+            <a:endParaRPr lang="en-US" altLang="ko-KR" dirty="0" smtClean="0"/>
+          </a:p>
+          <a:p>
+            <a:pPr marL="0" indent="0">
+              <a:lnSpc>
+                <a:spcPct val="150000"/>
+              </a:lnSpc>
+              <a:buNone/>
+            </a:pPr>
             <a:r>
               <a:rPr lang="en-US" altLang="ko-KR" dirty="0" smtClean="0"/>
-              <a:t>5. </a:t>
-            </a:r>
-            <a:r>
-              <a:rPr lang="en-US" altLang="ko-KR" dirty="0" err="1" smtClean="0"/>
-              <a:t>dept</a:t>
-            </a:r>
+              <a:t>select </a:t>
+            </a:r>
+            <a:r>
+              <a:rPr lang="en-US" altLang="ko-KR" dirty="0" err="1"/>
+              <a:t>constraint_name</a:t>
+            </a:r>
+            <a:r>
+              <a:rPr lang="en-US" altLang="ko-KR" dirty="0"/>
+              <a:t>, </a:t>
+            </a:r>
+            <a:r>
+              <a:rPr lang="en-US" altLang="ko-KR" dirty="0" err="1"/>
+              <a:t>constraint_type</a:t>
+            </a:r>
+            <a:endParaRPr lang="en-US" altLang="ko-KR" dirty="0"/>
+          </a:p>
+          <a:p>
+            <a:pPr marL="0" indent="0">
+              <a:lnSpc>
+                <a:spcPct val="150000"/>
+              </a:lnSpc>
+              <a:buNone/>
+            </a:pPr>
             <a:r>
               <a:rPr lang="en-US" altLang="ko-KR" dirty="0" smtClean="0"/>
-              <a:t> </a:t>
-            </a:r>
-            <a:r>
-              <a:rPr lang="ko-KR" altLang="en-US" dirty="0" smtClean="0"/>
-              <a:t>테이블의 부서명이 중복 되지 않도록 </a:t>
-            </a:r>
+              <a:t>   </a:t>
+            </a:r>
+            <a:r>
+              <a:rPr lang="en-US" altLang="ko-KR" dirty="0"/>
+              <a:t>from </a:t>
+            </a:r>
+            <a:r>
+              <a:rPr lang="en-US" altLang="ko-KR" dirty="0" err="1"/>
+              <a:t>information_schema.table_constraints</a:t>
+            </a:r>
+            <a:endParaRPr lang="en-US" altLang="ko-KR" dirty="0"/>
+          </a:p>
+          <a:p>
+            <a:pPr marL="0" indent="0">
+              <a:lnSpc>
+                <a:spcPct val="150000"/>
+              </a:lnSpc>
+              <a:buNone/>
+            </a:pPr>
             <a:r>
               <a:rPr lang="en-US" altLang="ko-KR" dirty="0" smtClean="0"/>
-              <a:t>unique</a:t>
-            </a:r>
-            <a:r>
-              <a:rPr lang="ko-KR" altLang="en-US" dirty="0" smtClean="0"/>
-              <a:t>를 사용하여 조건을 부여 하시오</a:t>
+              <a:t>  </a:t>
+            </a:r>
+            <a:r>
+              <a:rPr lang="en-US" altLang="ko-KR" dirty="0"/>
+              <a:t>where </a:t>
+            </a:r>
+            <a:r>
+              <a:rPr lang="en-US" altLang="ko-KR" dirty="0" err="1"/>
+              <a:t>table_name</a:t>
+            </a:r>
+            <a:r>
+              <a:rPr lang="en-US" altLang="ko-KR" dirty="0"/>
+              <a:t> = '</a:t>
+            </a:r>
+            <a:r>
+              <a:rPr lang="en-US" altLang="ko-KR" dirty="0" err="1"/>
+              <a:t>get_don</a:t>
             </a:r>
             <a:r>
               <a:rPr lang="en-US" altLang="ko-KR" dirty="0" smtClean="0"/>
-              <a:t>.</a:t>
-            </a:r>
-            <a:endParaRPr lang="en-US" altLang="ko-KR" dirty="0"/>
-          </a:p>
-        </p:txBody>
-      </p:sp>
-      <p:sp>
-        <p:nvSpPr>
-          <p:cNvPr id="5" name="직사각형 4"/>
+              <a:t>';</a:t>
+            </a:r>
+            <a:endParaRPr lang="en-US" altLang="ko-KR" dirty="0" smtClean="0"/>
+          </a:p>
+        </p:txBody>
+      </p:sp>
+      <p:sp>
+        <p:nvSpPr>
+          <p:cNvPr id="6" name="직사각형 5"/>
           <p:cNvSpPr/>
           <p:nvPr/>
         </p:nvSpPr>
@@ -11833,13 +11958,20 @@
     </p:spTree>
     <p:extLst>
       <p:ext uri="{BB962C8B-B14F-4D97-AF65-F5344CB8AC3E}">
-        <p14:creationId xmlns:p14="http://schemas.microsoft.com/office/powerpoint/2010/main" val="2852923104"/>
+        <p14:creationId xmlns:p14="http://schemas.microsoft.com/office/powerpoint/2010/main" val="320759809"/>
       </p:ext>
     </p:extLst>
   </p:cSld>
   <p:clrMapOvr>
     <a:masterClrMapping/>
   </p:clrMapOvr>
+  <p:timing>
+    <p:tnLst>
+      <p:par>
+        <p:cTn id="1" dur="indefinite" restart="never" nodeType="tmRoot"/>
+      </p:par>
+    </p:tnLst>
+  </p:timing>
 </p:sld>
 </file>
 
@@ -11920,7 +12052,7 @@
         </p:nvSpPr>
         <p:spPr>
           <a:xfrm>
-            <a:off x="457200" y="1334192"/>
+            <a:off x="457200" y="1159619"/>
             <a:ext cx="11222182" cy="4525963"/>
           </a:xfrm>
           <a:prstGeom prst="rect">
@@ -12101,118 +12233,97 @@
               <a:buNone/>
             </a:pPr>
             <a:r>
-              <a:rPr lang="en-US" altLang="ko-KR" dirty="0" smtClean="0"/>
-              <a:t>PRIMARY KEY </a:t>
-            </a:r>
-            <a:r>
               <a:rPr lang="ko-KR" altLang="en-US" dirty="0" smtClean="0"/>
-              <a:t>제약조건</a:t>
+              <a:t>삭제</a:t>
             </a:r>
             <a:endParaRPr lang="en-US" altLang="ko-KR" dirty="0" smtClean="0"/>
           </a:p>
           <a:p>
             <a:pPr marL="0" indent="0">
               <a:lnSpc>
-                <a:spcPct val="150000"/>
-              </a:lnSpc>
-              <a:buNone/>
-            </a:pPr>
-            <a:r>
-              <a:rPr lang="en-US" altLang="ko-KR" dirty="0"/>
+                <a:spcPct val="100000"/>
+              </a:lnSpc>
+              <a:buNone/>
+            </a:pPr>
+            <a:r>
+              <a:rPr lang="en-US" altLang="ko-KR" sz="2400" dirty="0" smtClean="0"/>
+              <a:t> DROP INDEX </a:t>
+            </a:r>
+            <a:r>
+              <a:rPr lang="ko-KR" altLang="en-US" sz="2400" dirty="0" err="1" smtClean="0"/>
+              <a:t>인덱스명</a:t>
+            </a:r>
+            <a:r>
+              <a:rPr lang="ko-KR" altLang="en-US" sz="2400" dirty="0" smtClean="0"/>
               <a:t> </a:t>
             </a:r>
             <a:r>
-              <a:rPr lang="en-US" altLang="ko-KR" dirty="0" smtClean="0"/>
-              <a:t> - </a:t>
-            </a:r>
-            <a:r>
-              <a:rPr lang="ko-KR" altLang="en-US" dirty="0" smtClean="0"/>
-              <a:t>테이블의 대표 키를 선정</a:t>
-            </a:r>
-            <a:r>
-              <a:rPr lang="en-US" altLang="ko-KR" dirty="0" smtClean="0"/>
-              <a:t>(</a:t>
-            </a:r>
-            <a:r>
-              <a:rPr lang="ko-KR" altLang="en-US" dirty="0" smtClean="0"/>
-              <a:t>여러 개 가능</a:t>
-            </a:r>
-            <a:r>
-              <a:rPr lang="en-US" altLang="ko-KR" dirty="0" smtClean="0"/>
-              <a:t>)</a:t>
+              <a:rPr lang="en-US" altLang="ko-KR" sz="2400" dirty="0" smtClean="0"/>
+              <a:t>ON </a:t>
+            </a:r>
+            <a:r>
+              <a:rPr lang="ko-KR" altLang="en-US" sz="2400" dirty="0" err="1" smtClean="0"/>
+              <a:t>테이블명</a:t>
+            </a:r>
+            <a:r>
+              <a:rPr lang="en-US" altLang="ko-KR" sz="2400" dirty="0" smtClean="0"/>
+              <a:t>;</a:t>
             </a:r>
           </a:p>
           <a:p>
             <a:pPr marL="0" indent="0">
               <a:lnSpc>
-                <a:spcPct val="150000"/>
-              </a:lnSpc>
-              <a:buNone/>
-            </a:pPr>
-            <a:r>
-              <a:rPr lang="en-US" altLang="ko-KR" dirty="0" smtClean="0"/>
-              <a:t>  - NOT NULL </a:t>
-            </a:r>
-            <a:r>
-              <a:rPr lang="ko-KR" altLang="en-US" dirty="0" smtClean="0"/>
-              <a:t>처럼 입력 값 필수 </a:t>
-            </a:r>
-            <a:endParaRPr lang="en-US" altLang="ko-KR" dirty="0" smtClean="0"/>
+                <a:spcPct val="100000"/>
+              </a:lnSpc>
+              <a:buNone/>
+            </a:pPr>
+            <a:endParaRPr lang="en-US" altLang="ko-KR" sz="2400" dirty="0" smtClean="0"/>
           </a:p>
           <a:p>
             <a:pPr marL="0" indent="0">
               <a:lnSpc>
-                <a:spcPct val="150000"/>
-              </a:lnSpc>
-              <a:buNone/>
-            </a:pPr>
-            <a:r>
-              <a:rPr lang="en-US" altLang="ko-KR" dirty="0" smtClean="0"/>
-              <a:t>  - UNIQUE</a:t>
-            </a:r>
-            <a:r>
-              <a:rPr lang="ko-KR" altLang="en-US" dirty="0" smtClean="0"/>
-              <a:t>와 같이 중복 불가능</a:t>
-            </a:r>
-            <a:endParaRPr lang="en-US" altLang="ko-KR" dirty="0" smtClean="0"/>
-          </a:p>
-          <a:p>
-            <a:pPr marL="0" indent="0">
-              <a:lnSpc>
-                <a:spcPct val="150000"/>
-              </a:lnSpc>
-              <a:buNone/>
-            </a:pPr>
-            <a:r>
-              <a:rPr lang="en-US" altLang="ko-KR" dirty="0"/>
+                <a:spcPct val="100000"/>
+              </a:lnSpc>
+              <a:buNone/>
+            </a:pPr>
+            <a:r>
+              <a:rPr lang="en-US" altLang="ko-KR" sz="2400" dirty="0" smtClean="0"/>
               <a:t> </a:t>
             </a:r>
             <a:r>
-              <a:rPr lang="en-US" altLang="ko-KR" dirty="0" smtClean="0"/>
-              <a:t> - </a:t>
-            </a:r>
-            <a:r>
-              <a:rPr lang="ko-KR" altLang="en-US" dirty="0" smtClean="0"/>
-              <a:t>컬럼 변경 시 데이터가 중복 되어있지 않아야 함</a:t>
-            </a:r>
-            <a:r>
-              <a:rPr lang="en-US" altLang="ko-KR" dirty="0" smtClean="0"/>
-              <a:t>.</a:t>
-            </a:r>
-            <a:endParaRPr lang="en-US" altLang="ko-KR" dirty="0"/>
-          </a:p>
-        </p:txBody>
-      </p:sp>
-      <p:sp>
-        <p:nvSpPr>
-          <p:cNvPr id="2" name="직사각형 1"/>
+              <a:rPr lang="en-US" altLang="ko-KR" sz="2400" dirty="0" smtClean="0"/>
+              <a:t>DROP INDEX </a:t>
+            </a:r>
+            <a:r>
+              <a:rPr lang="en-US" altLang="ko-KR" sz="2400" dirty="0" err="1" smtClean="0"/>
+              <a:t>mbr_nm</a:t>
+            </a:r>
+            <a:r>
+              <a:rPr lang="en-US" altLang="ko-KR" sz="2400" dirty="0" smtClean="0"/>
+              <a:t> ON </a:t>
+            </a:r>
+            <a:r>
+              <a:rPr lang="en-US" altLang="ko-KR" sz="2400" dirty="0" err="1" smtClean="0"/>
+              <a:t>get_don</a:t>
+            </a:r>
+            <a:r>
+              <a:rPr lang="en-US" altLang="ko-KR" sz="2400" dirty="0" smtClean="0"/>
+              <a:t>;</a:t>
+            </a:r>
+            <a:endParaRPr lang="en-US" altLang="ko-KR" sz="2400" dirty="0"/>
+          </a:p>
+        </p:txBody>
+      </p:sp>
+      <p:sp>
+        <p:nvSpPr>
+          <p:cNvPr id="6" name="직사각형 5"/>
           <p:cNvSpPr/>
           <p:nvPr/>
         </p:nvSpPr>
         <p:spPr>
           <a:xfrm>
             <a:off x="3798962" y="385479"/>
-            <a:ext cx="1414426" cy="369332"/>
+            <a:ext cx="931665" cy="369332"/>
           </a:xfrm>
           <a:prstGeom prst="rect">
             <a:avLst/>
@@ -12226,22 +12337,53 @@
           <a:p>
             <a:r>
               <a:rPr lang="en-US" altLang="ko-KR" dirty="0" smtClean="0"/>
-              <a:t>Primary key</a:t>
+              <a:t>Unique</a:t>
             </a:r>
             <a:endParaRPr lang="ko-KR" altLang="en-US" dirty="0"/>
           </a:p>
         </p:txBody>
       </p:sp>
+      <p:pic>
+        <p:nvPicPr>
+          <p:cNvPr id="3" name="그림 2"/>
+          <p:cNvPicPr>
+            <a:picLocks noChangeAspect="1"/>
+          </p:cNvPicPr>
+          <p:nvPr/>
+        </p:nvPicPr>
+        <p:blipFill>
+          <a:blip r:embed="rId2"/>
+          <a:stretch>
+            <a:fillRect/>
+          </a:stretch>
+        </p:blipFill>
+        <p:spPr>
+          <a:xfrm>
+            <a:off x="5226627" y="4004345"/>
+            <a:ext cx="6452755" cy="2228289"/>
+          </a:xfrm>
+          <a:prstGeom prst="rect">
+            <a:avLst/>
+          </a:prstGeom>
+        </p:spPr>
+      </p:pic>
     </p:spTree>
     <p:extLst>
       <p:ext uri="{BB962C8B-B14F-4D97-AF65-F5344CB8AC3E}">
-        <p14:creationId xmlns:p14="http://schemas.microsoft.com/office/powerpoint/2010/main" val="785672846"/>
+        <p14:creationId xmlns:p14="http://schemas.microsoft.com/office/powerpoint/2010/main" val="1816193471"/>
       </p:ext>
     </p:extLst>
   </p:cSld>
   <p:clrMapOvr>
     <a:masterClrMapping/>
   </p:clrMapOvr>
+  <p:timing>
+    <p:tnLst>
+      <p:par>
+        <p:cTn id="1" dur="indefinite" restart="never" nodeType="tmRoot"/>
+      </p:par>
+    </p:tnLst>
+  </p:timing>
 </p:sld>
 </file>
 
@@ -12568,6 +12710,13 @@
   <p:clrMapOvr>
     <a:masterClrMapping/>
   </p:clrMapOvr>
+  <p:timing>
+    <p:tnLst>
+      <p:par>
+        <p:cTn id="1" dur="indefinite" restart="never" nodeType="tmRoot"/>
+      </p:par>
+    </p:tnLst>
+  </p:timing>
 </p:sld>
 </file>
 
@@ -12648,6 +12797,1100 @@
         </p:nvSpPr>
         <p:spPr>
           <a:xfrm>
+            <a:off x="457200" y="1334192"/>
+            <a:ext cx="11222182" cy="4525963"/>
+          </a:xfrm>
+          <a:prstGeom prst="rect">
+            <a:avLst/>
+          </a:prstGeom>
+        </p:spPr>
+        <p:txBody>
+          <a:bodyPr/>
+          <a:lstStyle>
+            <a:lvl1pPr marL="228600" indent="-228600" algn="l" defTabSz="914400" rtl="0" eaLnBrk="1" latinLnBrk="1" hangingPunct="1">
+              <a:lnSpc>
+                <a:spcPct val="90000"/>
+              </a:lnSpc>
+              <a:spcBef>
+                <a:spcPts val="1000"/>
+              </a:spcBef>
+              <a:buFont typeface="Arial" panose="020B0604020202020204" pitchFamily="34" charset="0"/>
+              <a:buChar char="•"/>
+              <a:defRPr sz="2800" kern="1200">
+                <a:solidFill>
+                  <a:schemeClr val="tx1"/>
+                </a:solidFill>
+                <a:latin typeface="+mn-lt"/>
+                <a:ea typeface="+mn-ea"/>
+                <a:cs typeface="+mn-cs"/>
+              </a:defRPr>
+            </a:lvl1pPr>
+            <a:lvl2pPr marL="685800" indent="-228600" algn="l" defTabSz="914400" rtl="0" eaLnBrk="1" latinLnBrk="1" hangingPunct="1">
+              <a:lnSpc>
+                <a:spcPct val="90000"/>
+              </a:lnSpc>
+              <a:spcBef>
+                <a:spcPts val="500"/>
+              </a:spcBef>
+              <a:buFont typeface="Arial" panose="020B0604020202020204" pitchFamily="34" charset="0"/>
+              <a:buChar char="•"/>
+              <a:defRPr sz="2400" kern="1200">
+                <a:solidFill>
+                  <a:schemeClr val="tx1"/>
+                </a:solidFill>
+                <a:latin typeface="+mn-lt"/>
+                <a:ea typeface="+mn-ea"/>
+                <a:cs typeface="+mn-cs"/>
+              </a:defRPr>
+            </a:lvl2pPr>
+            <a:lvl3pPr marL="1143000" indent="-228600" algn="l" defTabSz="914400" rtl="0" eaLnBrk="1" latinLnBrk="1" hangingPunct="1">
+              <a:lnSpc>
+                <a:spcPct val="90000"/>
+              </a:lnSpc>
+              <a:spcBef>
+                <a:spcPts val="500"/>
+              </a:spcBef>
+              <a:buFont typeface="Arial" panose="020B0604020202020204" pitchFamily="34" charset="0"/>
+              <a:buChar char="•"/>
+              <a:defRPr sz="2000" kern="1200">
+                <a:solidFill>
+                  <a:schemeClr val="tx1"/>
+                </a:solidFill>
+                <a:latin typeface="+mn-lt"/>
+                <a:ea typeface="+mn-ea"/>
+                <a:cs typeface="+mn-cs"/>
+              </a:defRPr>
+            </a:lvl3pPr>
+            <a:lvl4pPr marL="1600200" indent="-228600" algn="l" defTabSz="914400" rtl="0" eaLnBrk="1" latinLnBrk="1" hangingPunct="1">
+              <a:lnSpc>
+                <a:spcPct val="90000"/>
+              </a:lnSpc>
+              <a:spcBef>
+                <a:spcPts val="500"/>
+              </a:spcBef>
+              <a:buFont typeface="Arial" panose="020B0604020202020204" pitchFamily="34" charset="0"/>
+              <a:buChar char="•"/>
+              <a:defRPr sz="1800" kern="1200">
+                <a:solidFill>
+                  <a:schemeClr val="tx1"/>
+                </a:solidFill>
+                <a:latin typeface="+mn-lt"/>
+                <a:ea typeface="+mn-ea"/>
+                <a:cs typeface="+mn-cs"/>
+              </a:defRPr>
+            </a:lvl4pPr>
+            <a:lvl5pPr marL="2057400" indent="-228600" algn="l" defTabSz="914400" rtl="0" eaLnBrk="1" latinLnBrk="1" hangingPunct="1">
+              <a:lnSpc>
+                <a:spcPct val="90000"/>
+              </a:lnSpc>
+              <a:spcBef>
+                <a:spcPts val="500"/>
+              </a:spcBef>
+              <a:buFont typeface="Arial" panose="020B0604020202020204" pitchFamily="34" charset="0"/>
+              <a:buChar char="•"/>
+              <a:defRPr sz="1800" kern="1200">
+                <a:solidFill>
+                  <a:schemeClr val="tx1"/>
+                </a:solidFill>
+                <a:latin typeface="+mn-lt"/>
+                <a:ea typeface="+mn-ea"/>
+                <a:cs typeface="+mn-cs"/>
+              </a:defRPr>
+            </a:lvl5pPr>
+            <a:lvl6pPr marL="2514600" indent="-228600" algn="l" defTabSz="914400" rtl="0" eaLnBrk="1" latinLnBrk="1" hangingPunct="1">
+              <a:lnSpc>
+                <a:spcPct val="90000"/>
+              </a:lnSpc>
+              <a:spcBef>
+                <a:spcPts val="500"/>
+              </a:spcBef>
+              <a:buFont typeface="Arial" panose="020B0604020202020204" pitchFamily="34" charset="0"/>
+              <a:buChar char="•"/>
+              <a:defRPr sz="1800" kern="1200">
+                <a:solidFill>
+                  <a:schemeClr val="tx1"/>
+                </a:solidFill>
+                <a:latin typeface="+mn-lt"/>
+                <a:ea typeface="+mn-ea"/>
+                <a:cs typeface="+mn-cs"/>
+              </a:defRPr>
+            </a:lvl6pPr>
+            <a:lvl7pPr marL="2971800" indent="-228600" algn="l" defTabSz="914400" rtl="0" eaLnBrk="1" latinLnBrk="1" hangingPunct="1">
+              <a:lnSpc>
+                <a:spcPct val="90000"/>
+              </a:lnSpc>
+              <a:spcBef>
+                <a:spcPts val="500"/>
+              </a:spcBef>
+              <a:buFont typeface="Arial" panose="020B0604020202020204" pitchFamily="34" charset="0"/>
+              <a:buChar char="•"/>
+              <a:defRPr sz="1800" kern="1200">
+                <a:solidFill>
+                  <a:schemeClr val="tx1"/>
+                </a:solidFill>
+                <a:latin typeface="+mn-lt"/>
+                <a:ea typeface="+mn-ea"/>
+                <a:cs typeface="+mn-cs"/>
+              </a:defRPr>
+            </a:lvl7pPr>
+            <a:lvl8pPr marL="3429000" indent="-228600" algn="l" defTabSz="914400" rtl="0" eaLnBrk="1" latinLnBrk="1" hangingPunct="1">
+              <a:lnSpc>
+                <a:spcPct val="90000"/>
+              </a:lnSpc>
+              <a:spcBef>
+                <a:spcPts val="500"/>
+              </a:spcBef>
+              <a:buFont typeface="Arial" panose="020B0604020202020204" pitchFamily="34" charset="0"/>
+              <a:buChar char="•"/>
+              <a:defRPr sz="1800" kern="1200">
+                <a:solidFill>
+                  <a:schemeClr val="tx1"/>
+                </a:solidFill>
+                <a:latin typeface="+mn-lt"/>
+                <a:ea typeface="+mn-ea"/>
+                <a:cs typeface="+mn-cs"/>
+              </a:defRPr>
+            </a:lvl8pPr>
+            <a:lvl9pPr marL="3886200" indent="-228600" algn="l" defTabSz="914400" rtl="0" eaLnBrk="1" latinLnBrk="1" hangingPunct="1">
+              <a:lnSpc>
+                <a:spcPct val="90000"/>
+              </a:lnSpc>
+              <a:spcBef>
+                <a:spcPts val="500"/>
+              </a:spcBef>
+              <a:buFont typeface="Arial" panose="020B0604020202020204" pitchFamily="34" charset="0"/>
+              <a:buChar char="•"/>
+              <a:defRPr sz="1800" kern="1200">
+                <a:solidFill>
+                  <a:schemeClr val="tx1"/>
+                </a:solidFill>
+                <a:latin typeface="+mn-lt"/>
+                <a:ea typeface="+mn-ea"/>
+                <a:cs typeface="+mn-cs"/>
+              </a:defRPr>
+            </a:lvl9pPr>
+          </a:lstStyle>
+          <a:p>
+            <a:pPr marL="0" indent="0">
+              <a:lnSpc>
+                <a:spcPct val="150000"/>
+              </a:lnSpc>
+              <a:buNone/>
+            </a:pPr>
+            <a:r>
+              <a:rPr lang="ko-KR" altLang="en-US" dirty="0" smtClean="0"/>
+              <a:t>삭제</a:t>
+            </a:r>
+            <a:endParaRPr lang="en-US" altLang="ko-KR" dirty="0" smtClean="0"/>
+          </a:p>
+          <a:p>
+            <a:pPr marL="0" indent="0">
+              <a:lnSpc>
+                <a:spcPct val="150000"/>
+              </a:lnSpc>
+              <a:buNone/>
+            </a:pPr>
+            <a:r>
+              <a:rPr lang="en-US" altLang="ko-KR" dirty="0" smtClean="0"/>
+              <a:t>  DROP INDEX “</a:t>
+            </a:r>
+            <a:r>
+              <a:rPr lang="ko-KR" altLang="en-US" dirty="0" err="1" smtClean="0"/>
+              <a:t>유니크명</a:t>
+            </a:r>
+            <a:r>
+              <a:rPr lang="en-US" altLang="ko-KR" dirty="0" smtClean="0"/>
+              <a:t>” ON “</a:t>
+            </a:r>
+            <a:r>
+              <a:rPr lang="ko-KR" altLang="en-US" dirty="0" err="1" smtClean="0"/>
+              <a:t>테이블명</a:t>
+            </a:r>
+            <a:r>
+              <a:rPr lang="en-US" altLang="ko-KR" dirty="0" smtClean="0"/>
+              <a:t>”;</a:t>
+            </a:r>
+            <a:endParaRPr lang="en-US" altLang="ko-KR" dirty="0"/>
+          </a:p>
+        </p:txBody>
+      </p:sp>
+      <p:sp>
+        <p:nvSpPr>
+          <p:cNvPr id="6" name="직사각형 5"/>
+          <p:cNvSpPr/>
+          <p:nvPr/>
+        </p:nvSpPr>
+        <p:spPr>
+          <a:xfrm>
+            <a:off x="3798962" y="385479"/>
+            <a:ext cx="931665" cy="369332"/>
+          </a:xfrm>
+          <a:prstGeom prst="rect">
+            <a:avLst/>
+          </a:prstGeom>
+        </p:spPr>
+        <p:txBody>
+          <a:bodyPr wrap="none">
+            <a:spAutoFit/>
+          </a:bodyPr>
+          <a:lstStyle/>
+          <a:p>
+            <a:r>
+              <a:rPr lang="en-US" altLang="ko-KR" dirty="0" smtClean="0"/>
+              <a:t>Unique</a:t>
+            </a:r>
+            <a:endParaRPr lang="ko-KR" altLang="en-US" dirty="0"/>
+          </a:p>
+        </p:txBody>
+      </p:sp>
+    </p:spTree>
+    <p:extLst>
+      <p:ext uri="{BB962C8B-B14F-4D97-AF65-F5344CB8AC3E}">
+        <p14:creationId xmlns:p14="http://schemas.microsoft.com/office/powerpoint/2010/main" val="2736640877"/>
+      </p:ext>
+    </p:extLst>
+  </p:cSld>
+  <p:clrMapOvr>
+    <a:masterClrMapping/>
+  </p:clrMapOvr>
+  <p:timing>
+    <p:tnLst>
+      <p:par>
+        <p:cTn id="1" dur="indefinite" restart="never" nodeType="tmRoot"/>
+      </p:par>
+    </p:tnLst>
+  </p:timing>
+</p:sld>
+</file>
+
+<file path=ppt/slides/slide21.xml><?xml version="1.0" encoding="utf-8"?>
+<p:sld xmlns:a="http://schemas.openxmlformats.org/drawingml/2006/main" xmlns:r="http://schemas.openxmlformats.org/officeDocument/2006/relationships" xmlns:p="http://schemas.openxmlformats.org/presentationml/2006/main">
+  <p:cSld>
+    <p:spTree>
+      <p:nvGrpSpPr>
+        <p:cNvPr id="1" name=""/>
+        <p:cNvGrpSpPr/>
+        <p:nvPr/>
+      </p:nvGrpSpPr>
+      <p:grpSpPr>
+        <a:xfrm>
+          <a:off x="0" y="0"/>
+          <a:ext cx="0" cy="0"/>
+          <a:chOff x="0" y="0"/>
+          <a:chExt cx="0" cy="0"/>
+        </a:xfrm>
+      </p:grpSpPr>
+      <p:sp>
+        <p:nvSpPr>
+          <p:cNvPr id="44" name="도형 17"/>
+          <p:cNvSpPr>
+            <a:spLocks/>
+          </p:cNvSpPr>
+          <p:nvPr/>
+        </p:nvSpPr>
+        <p:spPr>
+          <a:xfrm>
+            <a:off x="765868" y="316230"/>
+            <a:ext cx="1107996" cy="507831"/>
+          </a:xfrm>
+          <a:prstGeom prst="rect">
+            <a:avLst/>
+          </a:prstGeom>
+          <a:ln w="0">
+            <a:noFill/>
+            <a:prstDash/>
+          </a:ln>
+        </p:spPr>
+        <p:txBody>
+          <a:bodyPr vert="horz" wrap="none" lIns="91440" tIns="45720" rIns="91440" bIns="45720" numCol="1" anchor="t">
+            <a:spAutoFit/>
+          </a:bodyPr>
+          <a:lstStyle/>
+          <a:p>
+            <a:pPr marL="0" indent="0" latinLnBrk="0">
+              <a:lnSpc>
+                <a:spcPct val="150000"/>
+              </a:lnSpc>
+              <a:buFontTx/>
+              <a:buNone/>
+            </a:pPr>
+            <a:r>
+              <a:rPr lang="ko-KR" altLang="en-US" dirty="0" smtClean="0">
+                <a:solidFill>
+                  <a:schemeClr val="bg1"/>
+                </a:solidFill>
+              </a:rPr>
+              <a:t>제약조건</a:t>
+            </a:r>
+            <a:endParaRPr lang="ko-KR" altLang="en-US" dirty="0">
+              <a:solidFill>
+                <a:schemeClr val="bg1"/>
+              </a:solidFill>
+            </a:endParaRPr>
+          </a:p>
+        </p:txBody>
+      </p:sp>
+      <p:sp>
+        <p:nvSpPr>
+          <p:cNvPr id="7" name="내용 개체 틀 2"/>
+          <p:cNvSpPr txBox="1">
+            <a:spLocks/>
+          </p:cNvSpPr>
+          <p:nvPr/>
+        </p:nvSpPr>
+        <p:spPr>
+          <a:xfrm>
+            <a:off x="457200" y="1334192"/>
+            <a:ext cx="11222182" cy="4525963"/>
+          </a:xfrm>
+          <a:prstGeom prst="rect">
+            <a:avLst/>
+          </a:prstGeom>
+        </p:spPr>
+        <p:txBody>
+          <a:bodyPr/>
+          <a:lstStyle>
+            <a:lvl1pPr marL="228600" indent="-228600" algn="l" defTabSz="914400" rtl="0" eaLnBrk="1" latinLnBrk="1" hangingPunct="1">
+              <a:lnSpc>
+                <a:spcPct val="90000"/>
+              </a:lnSpc>
+              <a:spcBef>
+                <a:spcPts val="1000"/>
+              </a:spcBef>
+              <a:buFont typeface="Arial" panose="020B0604020202020204" pitchFamily="34" charset="0"/>
+              <a:buChar char="•"/>
+              <a:defRPr sz="2800" kern="1200">
+                <a:solidFill>
+                  <a:schemeClr val="tx1"/>
+                </a:solidFill>
+                <a:latin typeface="+mn-lt"/>
+                <a:ea typeface="+mn-ea"/>
+                <a:cs typeface="+mn-cs"/>
+              </a:defRPr>
+            </a:lvl1pPr>
+            <a:lvl2pPr marL="685800" indent="-228600" algn="l" defTabSz="914400" rtl="0" eaLnBrk="1" latinLnBrk="1" hangingPunct="1">
+              <a:lnSpc>
+                <a:spcPct val="90000"/>
+              </a:lnSpc>
+              <a:spcBef>
+                <a:spcPts val="500"/>
+              </a:spcBef>
+              <a:buFont typeface="Arial" panose="020B0604020202020204" pitchFamily="34" charset="0"/>
+              <a:buChar char="•"/>
+              <a:defRPr sz="2400" kern="1200">
+                <a:solidFill>
+                  <a:schemeClr val="tx1"/>
+                </a:solidFill>
+                <a:latin typeface="+mn-lt"/>
+                <a:ea typeface="+mn-ea"/>
+                <a:cs typeface="+mn-cs"/>
+              </a:defRPr>
+            </a:lvl2pPr>
+            <a:lvl3pPr marL="1143000" indent="-228600" algn="l" defTabSz="914400" rtl="0" eaLnBrk="1" latinLnBrk="1" hangingPunct="1">
+              <a:lnSpc>
+                <a:spcPct val="90000"/>
+              </a:lnSpc>
+              <a:spcBef>
+                <a:spcPts val="500"/>
+              </a:spcBef>
+              <a:buFont typeface="Arial" panose="020B0604020202020204" pitchFamily="34" charset="0"/>
+              <a:buChar char="•"/>
+              <a:defRPr sz="2000" kern="1200">
+                <a:solidFill>
+                  <a:schemeClr val="tx1"/>
+                </a:solidFill>
+                <a:latin typeface="+mn-lt"/>
+                <a:ea typeface="+mn-ea"/>
+                <a:cs typeface="+mn-cs"/>
+              </a:defRPr>
+            </a:lvl3pPr>
+            <a:lvl4pPr marL="1600200" indent="-228600" algn="l" defTabSz="914400" rtl="0" eaLnBrk="1" latinLnBrk="1" hangingPunct="1">
+              <a:lnSpc>
+                <a:spcPct val="90000"/>
+              </a:lnSpc>
+              <a:spcBef>
+                <a:spcPts val="500"/>
+              </a:spcBef>
+              <a:buFont typeface="Arial" panose="020B0604020202020204" pitchFamily="34" charset="0"/>
+              <a:buChar char="•"/>
+              <a:defRPr sz="1800" kern="1200">
+                <a:solidFill>
+                  <a:schemeClr val="tx1"/>
+                </a:solidFill>
+                <a:latin typeface="+mn-lt"/>
+                <a:ea typeface="+mn-ea"/>
+                <a:cs typeface="+mn-cs"/>
+              </a:defRPr>
+            </a:lvl4pPr>
+            <a:lvl5pPr marL="2057400" indent="-228600" algn="l" defTabSz="914400" rtl="0" eaLnBrk="1" latinLnBrk="1" hangingPunct="1">
+              <a:lnSpc>
+                <a:spcPct val="90000"/>
+              </a:lnSpc>
+              <a:spcBef>
+                <a:spcPts val="500"/>
+              </a:spcBef>
+              <a:buFont typeface="Arial" panose="020B0604020202020204" pitchFamily="34" charset="0"/>
+              <a:buChar char="•"/>
+              <a:defRPr sz="1800" kern="1200">
+                <a:solidFill>
+                  <a:schemeClr val="tx1"/>
+                </a:solidFill>
+                <a:latin typeface="+mn-lt"/>
+                <a:ea typeface="+mn-ea"/>
+                <a:cs typeface="+mn-cs"/>
+              </a:defRPr>
+            </a:lvl5pPr>
+            <a:lvl6pPr marL="2514600" indent="-228600" algn="l" defTabSz="914400" rtl="0" eaLnBrk="1" latinLnBrk="1" hangingPunct="1">
+              <a:lnSpc>
+                <a:spcPct val="90000"/>
+              </a:lnSpc>
+              <a:spcBef>
+                <a:spcPts val="500"/>
+              </a:spcBef>
+              <a:buFont typeface="Arial" panose="020B0604020202020204" pitchFamily="34" charset="0"/>
+              <a:buChar char="•"/>
+              <a:defRPr sz="1800" kern="1200">
+                <a:solidFill>
+                  <a:schemeClr val="tx1"/>
+                </a:solidFill>
+                <a:latin typeface="+mn-lt"/>
+                <a:ea typeface="+mn-ea"/>
+                <a:cs typeface="+mn-cs"/>
+              </a:defRPr>
+            </a:lvl6pPr>
+            <a:lvl7pPr marL="2971800" indent="-228600" algn="l" defTabSz="914400" rtl="0" eaLnBrk="1" latinLnBrk="1" hangingPunct="1">
+              <a:lnSpc>
+                <a:spcPct val="90000"/>
+              </a:lnSpc>
+              <a:spcBef>
+                <a:spcPts val="500"/>
+              </a:spcBef>
+              <a:buFont typeface="Arial" panose="020B0604020202020204" pitchFamily="34" charset="0"/>
+              <a:buChar char="•"/>
+              <a:defRPr sz="1800" kern="1200">
+                <a:solidFill>
+                  <a:schemeClr val="tx1"/>
+                </a:solidFill>
+                <a:latin typeface="+mn-lt"/>
+                <a:ea typeface="+mn-ea"/>
+                <a:cs typeface="+mn-cs"/>
+              </a:defRPr>
+            </a:lvl7pPr>
+            <a:lvl8pPr marL="3429000" indent="-228600" algn="l" defTabSz="914400" rtl="0" eaLnBrk="1" latinLnBrk="1" hangingPunct="1">
+              <a:lnSpc>
+                <a:spcPct val="90000"/>
+              </a:lnSpc>
+              <a:spcBef>
+                <a:spcPts val="500"/>
+              </a:spcBef>
+              <a:buFont typeface="Arial" panose="020B0604020202020204" pitchFamily="34" charset="0"/>
+              <a:buChar char="•"/>
+              <a:defRPr sz="1800" kern="1200">
+                <a:solidFill>
+                  <a:schemeClr val="tx1"/>
+                </a:solidFill>
+                <a:latin typeface="+mn-lt"/>
+                <a:ea typeface="+mn-ea"/>
+                <a:cs typeface="+mn-cs"/>
+              </a:defRPr>
+            </a:lvl8pPr>
+            <a:lvl9pPr marL="3886200" indent="-228600" algn="l" defTabSz="914400" rtl="0" eaLnBrk="1" latinLnBrk="1" hangingPunct="1">
+              <a:lnSpc>
+                <a:spcPct val="90000"/>
+              </a:lnSpc>
+              <a:spcBef>
+                <a:spcPts val="500"/>
+              </a:spcBef>
+              <a:buFont typeface="Arial" panose="020B0604020202020204" pitchFamily="34" charset="0"/>
+              <a:buChar char="•"/>
+              <a:defRPr sz="1800" kern="1200">
+                <a:solidFill>
+                  <a:schemeClr val="tx1"/>
+                </a:solidFill>
+                <a:latin typeface="+mn-lt"/>
+                <a:ea typeface="+mn-ea"/>
+                <a:cs typeface="+mn-cs"/>
+              </a:defRPr>
+            </a:lvl9pPr>
+          </a:lstStyle>
+          <a:p>
+            <a:pPr marL="0" indent="0">
+              <a:lnSpc>
+                <a:spcPct val="150000"/>
+              </a:lnSpc>
+              <a:buNone/>
+            </a:pPr>
+            <a:r>
+              <a:rPr lang="ko-KR" altLang="en-US" dirty="0" smtClean="0"/>
+              <a:t>실습 </a:t>
+            </a:r>
+            <a:r>
+              <a:rPr lang="en-US" altLang="ko-KR" dirty="0" smtClean="0"/>
+              <a:t>5. </a:t>
+            </a:r>
+            <a:r>
+              <a:rPr lang="en-US" altLang="ko-KR" dirty="0" err="1" smtClean="0"/>
+              <a:t>dept</a:t>
+            </a:r>
+            <a:r>
+              <a:rPr lang="en-US" altLang="ko-KR" dirty="0" smtClean="0"/>
+              <a:t> </a:t>
+            </a:r>
+            <a:r>
+              <a:rPr lang="ko-KR" altLang="en-US" dirty="0" smtClean="0"/>
+              <a:t>테이블의 부서명이 중복 되지 않도록 </a:t>
+            </a:r>
+            <a:r>
+              <a:rPr lang="en-US" altLang="ko-KR" dirty="0" smtClean="0"/>
+              <a:t>unique</a:t>
+            </a:r>
+            <a:r>
+              <a:rPr lang="ko-KR" altLang="en-US" dirty="0" smtClean="0"/>
+              <a:t>를 사용하여 조건을 부여 하시오</a:t>
+            </a:r>
+            <a:r>
+              <a:rPr lang="en-US" altLang="ko-KR" dirty="0" smtClean="0"/>
+              <a:t>.</a:t>
+            </a:r>
+            <a:endParaRPr lang="en-US" altLang="ko-KR" dirty="0"/>
+          </a:p>
+        </p:txBody>
+      </p:sp>
+      <p:sp>
+        <p:nvSpPr>
+          <p:cNvPr id="5" name="직사각형 4"/>
+          <p:cNvSpPr/>
+          <p:nvPr/>
+        </p:nvSpPr>
+        <p:spPr>
+          <a:xfrm>
+            <a:off x="3798962" y="385479"/>
+            <a:ext cx="931665" cy="369332"/>
+          </a:xfrm>
+          <a:prstGeom prst="rect">
+            <a:avLst/>
+          </a:prstGeom>
+        </p:spPr>
+        <p:txBody>
+          <a:bodyPr wrap="none">
+            <a:spAutoFit/>
+          </a:bodyPr>
+          <a:lstStyle/>
+          <a:p>
+            <a:r>
+              <a:rPr lang="en-US" altLang="ko-KR" dirty="0" smtClean="0"/>
+              <a:t>Unique</a:t>
+            </a:r>
+            <a:endParaRPr lang="ko-KR" altLang="en-US" dirty="0"/>
+          </a:p>
+        </p:txBody>
+      </p:sp>
+    </p:spTree>
+    <p:extLst>
+      <p:ext uri="{BB962C8B-B14F-4D97-AF65-F5344CB8AC3E}">
+        <p14:creationId xmlns:p14="http://schemas.microsoft.com/office/powerpoint/2010/main" val="2852923104"/>
+      </p:ext>
+    </p:extLst>
+  </p:cSld>
+  <p:clrMapOvr>
+    <a:masterClrMapping/>
+  </p:clrMapOvr>
+  <p:timing>
+    <p:tnLst>
+      <p:par>
+        <p:cTn id="1" dur="indefinite" restart="never" nodeType="tmRoot"/>
+      </p:par>
+    </p:tnLst>
+  </p:timing>
+</p:sld>
+</file>
+
+<file path=ppt/slides/slide22.xml><?xml version="1.0" encoding="utf-8"?>
+<p:sld xmlns:a="http://schemas.openxmlformats.org/drawingml/2006/main" xmlns:r="http://schemas.openxmlformats.org/officeDocument/2006/relationships" xmlns:p="http://schemas.openxmlformats.org/presentationml/2006/main">
+  <p:cSld>
+    <p:spTree>
+      <p:nvGrpSpPr>
+        <p:cNvPr id="1" name=""/>
+        <p:cNvGrpSpPr/>
+        <p:nvPr/>
+      </p:nvGrpSpPr>
+      <p:grpSpPr>
+        <a:xfrm>
+          <a:off x="0" y="0"/>
+          <a:ext cx="0" cy="0"/>
+          <a:chOff x="0" y="0"/>
+          <a:chExt cx="0" cy="0"/>
+        </a:xfrm>
+      </p:grpSpPr>
+      <p:sp>
+        <p:nvSpPr>
+          <p:cNvPr id="44" name="도형 17"/>
+          <p:cNvSpPr>
+            <a:spLocks/>
+          </p:cNvSpPr>
+          <p:nvPr/>
+        </p:nvSpPr>
+        <p:spPr>
+          <a:xfrm>
+            <a:off x="765868" y="316230"/>
+            <a:ext cx="1107996" cy="507831"/>
+          </a:xfrm>
+          <a:prstGeom prst="rect">
+            <a:avLst/>
+          </a:prstGeom>
+          <a:ln w="0">
+            <a:noFill/>
+            <a:prstDash/>
+          </a:ln>
+        </p:spPr>
+        <p:txBody>
+          <a:bodyPr vert="horz" wrap="none" lIns="91440" tIns="45720" rIns="91440" bIns="45720" numCol="1" anchor="t">
+            <a:spAutoFit/>
+          </a:bodyPr>
+          <a:lstStyle/>
+          <a:p>
+            <a:pPr marL="0" indent="0" latinLnBrk="0">
+              <a:lnSpc>
+                <a:spcPct val="150000"/>
+              </a:lnSpc>
+              <a:buFontTx/>
+              <a:buNone/>
+            </a:pPr>
+            <a:r>
+              <a:rPr lang="ko-KR" altLang="en-US" dirty="0" smtClean="0">
+                <a:solidFill>
+                  <a:schemeClr val="bg1"/>
+                </a:solidFill>
+              </a:rPr>
+              <a:t>제약조건</a:t>
+            </a:r>
+            <a:endParaRPr lang="ko-KR" altLang="en-US" dirty="0">
+              <a:solidFill>
+                <a:schemeClr val="bg1"/>
+              </a:solidFill>
+            </a:endParaRPr>
+          </a:p>
+        </p:txBody>
+      </p:sp>
+      <p:sp>
+        <p:nvSpPr>
+          <p:cNvPr id="7" name="내용 개체 틀 2"/>
+          <p:cNvSpPr txBox="1">
+            <a:spLocks/>
+          </p:cNvSpPr>
+          <p:nvPr/>
+        </p:nvSpPr>
+        <p:spPr>
+          <a:xfrm>
+            <a:off x="457200" y="1334192"/>
+            <a:ext cx="11222182" cy="4525963"/>
+          </a:xfrm>
+          <a:prstGeom prst="rect">
+            <a:avLst/>
+          </a:prstGeom>
+        </p:spPr>
+        <p:txBody>
+          <a:bodyPr/>
+          <a:lstStyle>
+            <a:lvl1pPr marL="228600" indent="-228600" algn="l" defTabSz="914400" rtl="0" eaLnBrk="1" latinLnBrk="1" hangingPunct="1">
+              <a:lnSpc>
+                <a:spcPct val="90000"/>
+              </a:lnSpc>
+              <a:spcBef>
+                <a:spcPts val="1000"/>
+              </a:spcBef>
+              <a:buFont typeface="Arial" panose="020B0604020202020204" pitchFamily="34" charset="0"/>
+              <a:buChar char="•"/>
+              <a:defRPr sz="2800" kern="1200">
+                <a:solidFill>
+                  <a:schemeClr val="tx1"/>
+                </a:solidFill>
+                <a:latin typeface="+mn-lt"/>
+                <a:ea typeface="+mn-ea"/>
+                <a:cs typeface="+mn-cs"/>
+              </a:defRPr>
+            </a:lvl1pPr>
+            <a:lvl2pPr marL="685800" indent="-228600" algn="l" defTabSz="914400" rtl="0" eaLnBrk="1" latinLnBrk="1" hangingPunct="1">
+              <a:lnSpc>
+                <a:spcPct val="90000"/>
+              </a:lnSpc>
+              <a:spcBef>
+                <a:spcPts val="500"/>
+              </a:spcBef>
+              <a:buFont typeface="Arial" panose="020B0604020202020204" pitchFamily="34" charset="0"/>
+              <a:buChar char="•"/>
+              <a:defRPr sz="2400" kern="1200">
+                <a:solidFill>
+                  <a:schemeClr val="tx1"/>
+                </a:solidFill>
+                <a:latin typeface="+mn-lt"/>
+                <a:ea typeface="+mn-ea"/>
+                <a:cs typeface="+mn-cs"/>
+              </a:defRPr>
+            </a:lvl2pPr>
+            <a:lvl3pPr marL="1143000" indent="-228600" algn="l" defTabSz="914400" rtl="0" eaLnBrk="1" latinLnBrk="1" hangingPunct="1">
+              <a:lnSpc>
+                <a:spcPct val="90000"/>
+              </a:lnSpc>
+              <a:spcBef>
+                <a:spcPts val="500"/>
+              </a:spcBef>
+              <a:buFont typeface="Arial" panose="020B0604020202020204" pitchFamily="34" charset="0"/>
+              <a:buChar char="•"/>
+              <a:defRPr sz="2000" kern="1200">
+                <a:solidFill>
+                  <a:schemeClr val="tx1"/>
+                </a:solidFill>
+                <a:latin typeface="+mn-lt"/>
+                <a:ea typeface="+mn-ea"/>
+                <a:cs typeface="+mn-cs"/>
+              </a:defRPr>
+            </a:lvl3pPr>
+            <a:lvl4pPr marL="1600200" indent="-228600" algn="l" defTabSz="914400" rtl="0" eaLnBrk="1" latinLnBrk="1" hangingPunct="1">
+              <a:lnSpc>
+                <a:spcPct val="90000"/>
+              </a:lnSpc>
+              <a:spcBef>
+                <a:spcPts val="500"/>
+              </a:spcBef>
+              <a:buFont typeface="Arial" panose="020B0604020202020204" pitchFamily="34" charset="0"/>
+              <a:buChar char="•"/>
+              <a:defRPr sz="1800" kern="1200">
+                <a:solidFill>
+                  <a:schemeClr val="tx1"/>
+                </a:solidFill>
+                <a:latin typeface="+mn-lt"/>
+                <a:ea typeface="+mn-ea"/>
+                <a:cs typeface="+mn-cs"/>
+              </a:defRPr>
+            </a:lvl4pPr>
+            <a:lvl5pPr marL="2057400" indent="-228600" algn="l" defTabSz="914400" rtl="0" eaLnBrk="1" latinLnBrk="1" hangingPunct="1">
+              <a:lnSpc>
+                <a:spcPct val="90000"/>
+              </a:lnSpc>
+              <a:spcBef>
+                <a:spcPts val="500"/>
+              </a:spcBef>
+              <a:buFont typeface="Arial" panose="020B0604020202020204" pitchFamily="34" charset="0"/>
+              <a:buChar char="•"/>
+              <a:defRPr sz="1800" kern="1200">
+                <a:solidFill>
+                  <a:schemeClr val="tx1"/>
+                </a:solidFill>
+                <a:latin typeface="+mn-lt"/>
+                <a:ea typeface="+mn-ea"/>
+                <a:cs typeface="+mn-cs"/>
+              </a:defRPr>
+            </a:lvl5pPr>
+            <a:lvl6pPr marL="2514600" indent="-228600" algn="l" defTabSz="914400" rtl="0" eaLnBrk="1" latinLnBrk="1" hangingPunct="1">
+              <a:lnSpc>
+                <a:spcPct val="90000"/>
+              </a:lnSpc>
+              <a:spcBef>
+                <a:spcPts val="500"/>
+              </a:spcBef>
+              <a:buFont typeface="Arial" panose="020B0604020202020204" pitchFamily="34" charset="0"/>
+              <a:buChar char="•"/>
+              <a:defRPr sz="1800" kern="1200">
+                <a:solidFill>
+                  <a:schemeClr val="tx1"/>
+                </a:solidFill>
+                <a:latin typeface="+mn-lt"/>
+                <a:ea typeface="+mn-ea"/>
+                <a:cs typeface="+mn-cs"/>
+              </a:defRPr>
+            </a:lvl6pPr>
+            <a:lvl7pPr marL="2971800" indent="-228600" algn="l" defTabSz="914400" rtl="0" eaLnBrk="1" latinLnBrk="1" hangingPunct="1">
+              <a:lnSpc>
+                <a:spcPct val="90000"/>
+              </a:lnSpc>
+              <a:spcBef>
+                <a:spcPts val="500"/>
+              </a:spcBef>
+              <a:buFont typeface="Arial" panose="020B0604020202020204" pitchFamily="34" charset="0"/>
+              <a:buChar char="•"/>
+              <a:defRPr sz="1800" kern="1200">
+                <a:solidFill>
+                  <a:schemeClr val="tx1"/>
+                </a:solidFill>
+                <a:latin typeface="+mn-lt"/>
+                <a:ea typeface="+mn-ea"/>
+                <a:cs typeface="+mn-cs"/>
+              </a:defRPr>
+            </a:lvl7pPr>
+            <a:lvl8pPr marL="3429000" indent="-228600" algn="l" defTabSz="914400" rtl="0" eaLnBrk="1" latinLnBrk="1" hangingPunct="1">
+              <a:lnSpc>
+                <a:spcPct val="90000"/>
+              </a:lnSpc>
+              <a:spcBef>
+                <a:spcPts val="500"/>
+              </a:spcBef>
+              <a:buFont typeface="Arial" panose="020B0604020202020204" pitchFamily="34" charset="0"/>
+              <a:buChar char="•"/>
+              <a:defRPr sz="1800" kern="1200">
+                <a:solidFill>
+                  <a:schemeClr val="tx1"/>
+                </a:solidFill>
+                <a:latin typeface="+mn-lt"/>
+                <a:ea typeface="+mn-ea"/>
+                <a:cs typeface="+mn-cs"/>
+              </a:defRPr>
+            </a:lvl8pPr>
+            <a:lvl9pPr marL="3886200" indent="-228600" algn="l" defTabSz="914400" rtl="0" eaLnBrk="1" latinLnBrk="1" hangingPunct="1">
+              <a:lnSpc>
+                <a:spcPct val="90000"/>
+              </a:lnSpc>
+              <a:spcBef>
+                <a:spcPts val="500"/>
+              </a:spcBef>
+              <a:buFont typeface="Arial" panose="020B0604020202020204" pitchFamily="34" charset="0"/>
+              <a:buChar char="•"/>
+              <a:defRPr sz="1800" kern="1200">
+                <a:solidFill>
+                  <a:schemeClr val="tx1"/>
+                </a:solidFill>
+                <a:latin typeface="+mn-lt"/>
+                <a:ea typeface="+mn-ea"/>
+                <a:cs typeface="+mn-cs"/>
+              </a:defRPr>
+            </a:lvl9pPr>
+          </a:lstStyle>
+          <a:p>
+            <a:pPr marL="0" indent="0">
+              <a:lnSpc>
+                <a:spcPct val="150000"/>
+              </a:lnSpc>
+              <a:buNone/>
+            </a:pPr>
+            <a:r>
+              <a:rPr lang="en-US" altLang="ko-KR" dirty="0" smtClean="0"/>
+              <a:t>PRIMARY KEY </a:t>
+            </a:r>
+            <a:r>
+              <a:rPr lang="ko-KR" altLang="en-US" dirty="0" smtClean="0"/>
+              <a:t>제약조건</a:t>
+            </a:r>
+            <a:endParaRPr lang="en-US" altLang="ko-KR" dirty="0" smtClean="0"/>
+          </a:p>
+          <a:p>
+            <a:pPr marL="0" indent="0">
+              <a:lnSpc>
+                <a:spcPct val="150000"/>
+              </a:lnSpc>
+              <a:buNone/>
+            </a:pPr>
+            <a:r>
+              <a:rPr lang="en-US" altLang="ko-KR" dirty="0"/>
+              <a:t> </a:t>
+            </a:r>
+            <a:r>
+              <a:rPr lang="en-US" altLang="ko-KR" dirty="0" smtClean="0"/>
+              <a:t> - </a:t>
+            </a:r>
+            <a:r>
+              <a:rPr lang="ko-KR" altLang="en-US" dirty="0" smtClean="0"/>
+              <a:t>테이블의 대표 키를 선정</a:t>
+            </a:r>
+            <a:r>
+              <a:rPr lang="en-US" altLang="ko-KR" dirty="0" smtClean="0"/>
+              <a:t>(</a:t>
+            </a:r>
+            <a:r>
+              <a:rPr lang="ko-KR" altLang="en-US" dirty="0" smtClean="0"/>
+              <a:t>여러 개 가능</a:t>
+            </a:r>
+            <a:r>
+              <a:rPr lang="en-US" altLang="ko-KR" dirty="0" smtClean="0"/>
+              <a:t>)</a:t>
+            </a:r>
+          </a:p>
+          <a:p>
+            <a:pPr marL="0" indent="0">
+              <a:lnSpc>
+                <a:spcPct val="150000"/>
+              </a:lnSpc>
+              <a:buNone/>
+            </a:pPr>
+            <a:r>
+              <a:rPr lang="en-US" altLang="ko-KR" dirty="0" smtClean="0"/>
+              <a:t>  - NOT NULL </a:t>
+            </a:r>
+            <a:r>
+              <a:rPr lang="ko-KR" altLang="en-US" dirty="0" smtClean="0"/>
+              <a:t>처럼 입력 값 필수 </a:t>
+            </a:r>
+            <a:endParaRPr lang="en-US" altLang="ko-KR" dirty="0" smtClean="0"/>
+          </a:p>
+          <a:p>
+            <a:pPr marL="0" indent="0">
+              <a:lnSpc>
+                <a:spcPct val="150000"/>
+              </a:lnSpc>
+              <a:buNone/>
+            </a:pPr>
+            <a:r>
+              <a:rPr lang="en-US" altLang="ko-KR" dirty="0" smtClean="0"/>
+              <a:t>  - UNIQUE</a:t>
+            </a:r>
+            <a:r>
+              <a:rPr lang="ko-KR" altLang="en-US" dirty="0" smtClean="0"/>
+              <a:t>와 같이 중복 불가능</a:t>
+            </a:r>
+            <a:endParaRPr lang="en-US" altLang="ko-KR" dirty="0" smtClean="0"/>
+          </a:p>
+          <a:p>
+            <a:pPr marL="0" indent="0">
+              <a:lnSpc>
+                <a:spcPct val="150000"/>
+              </a:lnSpc>
+              <a:buNone/>
+            </a:pPr>
+            <a:r>
+              <a:rPr lang="en-US" altLang="ko-KR" dirty="0"/>
+              <a:t> </a:t>
+            </a:r>
+            <a:r>
+              <a:rPr lang="en-US" altLang="ko-KR" dirty="0" smtClean="0"/>
+              <a:t> - </a:t>
+            </a:r>
+            <a:r>
+              <a:rPr lang="ko-KR" altLang="en-US" dirty="0" smtClean="0"/>
+              <a:t>컬럼 변경 시 데이터가 중복 되어있지 않아야 함</a:t>
+            </a:r>
+            <a:r>
+              <a:rPr lang="en-US" altLang="ko-KR" dirty="0" smtClean="0"/>
+              <a:t>.</a:t>
+            </a:r>
+            <a:endParaRPr lang="en-US" altLang="ko-KR" dirty="0"/>
+          </a:p>
+        </p:txBody>
+      </p:sp>
+      <p:sp>
+        <p:nvSpPr>
+          <p:cNvPr id="2" name="직사각형 1"/>
+          <p:cNvSpPr/>
+          <p:nvPr/>
+        </p:nvSpPr>
+        <p:spPr>
+          <a:xfrm>
+            <a:off x="3798962" y="385479"/>
+            <a:ext cx="1414426" cy="369332"/>
+          </a:xfrm>
+          <a:prstGeom prst="rect">
+            <a:avLst/>
+          </a:prstGeom>
+        </p:spPr>
+        <p:txBody>
+          <a:bodyPr wrap="none">
+            <a:spAutoFit/>
+          </a:bodyPr>
+          <a:lstStyle/>
+          <a:p>
+            <a:r>
+              <a:rPr lang="en-US" altLang="ko-KR" dirty="0" smtClean="0"/>
+              <a:t>Primary key</a:t>
+            </a:r>
+            <a:endParaRPr lang="ko-KR" altLang="en-US" dirty="0"/>
+          </a:p>
+        </p:txBody>
+      </p:sp>
+    </p:spTree>
+    <p:extLst>
+      <p:ext uri="{BB962C8B-B14F-4D97-AF65-F5344CB8AC3E}">
+        <p14:creationId xmlns:p14="http://schemas.microsoft.com/office/powerpoint/2010/main" val="785672846"/>
+      </p:ext>
+    </p:extLst>
+  </p:cSld>
+  <p:clrMapOvr>
+    <a:masterClrMapping/>
+  </p:clrMapOvr>
+  <p:timing>
+    <p:tnLst>
+      <p:par>
+        <p:cTn id="1" dur="indefinite" restart="never" nodeType="tmRoot"/>
+      </p:par>
+    </p:tnLst>
+  </p:timing>
+</p:sld>
+</file>
+
+<file path=ppt/slides/slide23.xml><?xml version="1.0" encoding="utf-8"?>
+<p:sld xmlns:a="http://schemas.openxmlformats.org/drawingml/2006/main" xmlns:r="http://schemas.openxmlformats.org/officeDocument/2006/relationships" xmlns:p="http://schemas.openxmlformats.org/presentationml/2006/main">
+  <p:cSld>
+    <p:spTree>
+      <p:nvGrpSpPr>
+        <p:cNvPr id="1" name=""/>
+        <p:cNvGrpSpPr/>
+        <p:nvPr/>
+      </p:nvGrpSpPr>
+      <p:grpSpPr>
+        <a:xfrm>
+          <a:off x="0" y="0"/>
+          <a:ext cx="0" cy="0"/>
+          <a:chOff x="0" y="0"/>
+          <a:chExt cx="0" cy="0"/>
+        </a:xfrm>
+      </p:grpSpPr>
+      <p:sp>
+        <p:nvSpPr>
+          <p:cNvPr id="44" name="도형 17"/>
+          <p:cNvSpPr>
+            <a:spLocks/>
+          </p:cNvSpPr>
+          <p:nvPr/>
+        </p:nvSpPr>
+        <p:spPr>
+          <a:xfrm>
+            <a:off x="765868" y="316230"/>
+            <a:ext cx="1107996" cy="507831"/>
+          </a:xfrm>
+          <a:prstGeom prst="rect">
+            <a:avLst/>
+          </a:prstGeom>
+          <a:ln w="0">
+            <a:noFill/>
+            <a:prstDash/>
+          </a:ln>
+        </p:spPr>
+        <p:txBody>
+          <a:bodyPr vert="horz" wrap="none" lIns="91440" tIns="45720" rIns="91440" bIns="45720" numCol="1" anchor="t">
+            <a:spAutoFit/>
+          </a:bodyPr>
+          <a:lstStyle/>
+          <a:p>
+            <a:pPr marL="0" indent="0" latinLnBrk="0">
+              <a:lnSpc>
+                <a:spcPct val="150000"/>
+              </a:lnSpc>
+              <a:buFontTx/>
+              <a:buNone/>
+            </a:pPr>
+            <a:r>
+              <a:rPr lang="ko-KR" altLang="en-US" dirty="0" smtClean="0">
+                <a:solidFill>
+                  <a:schemeClr val="bg1"/>
+                </a:solidFill>
+              </a:rPr>
+              <a:t>제약조건</a:t>
+            </a:r>
+            <a:endParaRPr lang="ko-KR" altLang="en-US" dirty="0">
+              <a:solidFill>
+                <a:schemeClr val="bg1"/>
+              </a:solidFill>
+            </a:endParaRPr>
+          </a:p>
+        </p:txBody>
+      </p:sp>
+      <p:sp>
+        <p:nvSpPr>
+          <p:cNvPr id="5" name="내용 개체 틀 2"/>
+          <p:cNvSpPr txBox="1">
+            <a:spLocks/>
+          </p:cNvSpPr>
+          <p:nvPr/>
+        </p:nvSpPr>
+        <p:spPr>
+          <a:xfrm>
             <a:off x="457200" y="1192872"/>
             <a:ext cx="11222182" cy="4525963"/>
           </a:xfrm>
@@ -13076,10 +14319,17 @@
   <p:clrMapOvr>
     <a:masterClrMapping/>
   </p:clrMapOvr>
+  <p:timing>
+    <p:tnLst>
+      <p:par>
+        <p:cTn id="1" dur="indefinite" restart="never" nodeType="tmRoot"/>
+      </p:par>
+    </p:tnLst>
+  </p:timing>
 </p:sld>
 </file>
 
-<file path=ppt/slides/slide21.xml><?xml version="1.0" encoding="utf-8"?>
+<file path=ppt/slides/slide24.xml><?xml version="1.0" encoding="utf-8"?>
 <p:sld xmlns:a="http://schemas.openxmlformats.org/drawingml/2006/main" xmlns:r="http://schemas.openxmlformats.org/officeDocument/2006/relationships" xmlns:p="http://schemas.openxmlformats.org/presentationml/2006/main">
   <p:cSld>
     <p:spTree>
@@ -13571,10 +14821,17 @@
   <p:clrMapOvr>
     <a:masterClrMapping/>
   </p:clrMapOvr>
+  <p:timing>
+    <p:tnLst>
+      <p:par>
+        <p:cTn id="1" dur="indefinite" restart="never" nodeType="tmRoot"/>
+      </p:par>
+    </p:tnLst>
+  </p:timing>
 </p:sld>
 </file>
 
-<file path=ppt/slides/slide22.xml><?xml version="1.0" encoding="utf-8"?>
+<file path=ppt/slides/slide25.xml><?xml version="1.0" encoding="utf-8"?>
 <p:sld xmlns:a="http://schemas.openxmlformats.org/drawingml/2006/main" xmlns:r="http://schemas.openxmlformats.org/officeDocument/2006/relationships" xmlns:p="http://schemas.openxmlformats.org/presentationml/2006/main">
   <p:cSld>
     <p:spTree>
@@ -13937,10 +15194,737 @@
   <p:clrMapOvr>
     <a:masterClrMapping/>
   </p:clrMapOvr>
+  <p:timing>
+    <p:tnLst>
+      <p:par>
+        <p:cTn id="1" dur="indefinite" restart="never" nodeType="tmRoot"/>
+      </p:par>
+    </p:tnLst>
+  </p:timing>
 </p:sld>
 </file>
 
-<file path=ppt/slides/slide23.xml><?xml version="1.0" encoding="utf-8"?>
+<file path=ppt/slides/slide26.xml><?xml version="1.0" encoding="utf-8"?>
+<p:sld xmlns:a="http://schemas.openxmlformats.org/drawingml/2006/main" xmlns:r="http://schemas.openxmlformats.org/officeDocument/2006/relationships" xmlns:p="http://schemas.openxmlformats.org/presentationml/2006/main">
+  <p:cSld>
+    <p:spTree>
+      <p:nvGrpSpPr>
+        <p:cNvPr id="1" name=""/>
+        <p:cNvGrpSpPr/>
+        <p:nvPr/>
+      </p:nvGrpSpPr>
+      <p:grpSpPr>
+        <a:xfrm>
+          <a:off x="0" y="0"/>
+          <a:ext cx="0" cy="0"/>
+          <a:chOff x="0" y="0"/>
+          <a:chExt cx="0" cy="0"/>
+        </a:xfrm>
+      </p:grpSpPr>
+      <p:sp>
+        <p:nvSpPr>
+          <p:cNvPr id="44" name="도형 17"/>
+          <p:cNvSpPr>
+            <a:spLocks/>
+          </p:cNvSpPr>
+          <p:nvPr/>
+        </p:nvSpPr>
+        <p:spPr>
+          <a:xfrm>
+            <a:off x="765868" y="316230"/>
+            <a:ext cx="1107996" cy="507831"/>
+          </a:xfrm>
+          <a:prstGeom prst="rect">
+            <a:avLst/>
+          </a:prstGeom>
+          <a:ln w="0">
+            <a:noFill/>
+            <a:prstDash/>
+          </a:ln>
+        </p:spPr>
+        <p:txBody>
+          <a:bodyPr vert="horz" wrap="none" lIns="91440" tIns="45720" rIns="91440" bIns="45720" numCol="1" anchor="t">
+            <a:spAutoFit/>
+          </a:bodyPr>
+          <a:lstStyle/>
+          <a:p>
+            <a:pPr marL="0" indent="0" latinLnBrk="0">
+              <a:lnSpc>
+                <a:spcPct val="150000"/>
+              </a:lnSpc>
+              <a:buFontTx/>
+              <a:buNone/>
+            </a:pPr>
+            <a:r>
+              <a:rPr lang="ko-KR" altLang="en-US" dirty="0" smtClean="0">
+                <a:solidFill>
+                  <a:schemeClr val="bg1"/>
+                </a:solidFill>
+              </a:rPr>
+              <a:t>제약조건</a:t>
+            </a:r>
+            <a:endParaRPr lang="ko-KR" altLang="en-US" dirty="0">
+              <a:solidFill>
+                <a:schemeClr val="bg1"/>
+              </a:solidFill>
+            </a:endParaRPr>
+          </a:p>
+        </p:txBody>
+      </p:sp>
+      <p:sp>
+        <p:nvSpPr>
+          <p:cNvPr id="5" name="내용 개체 틀 2"/>
+          <p:cNvSpPr txBox="1">
+            <a:spLocks/>
+          </p:cNvSpPr>
+          <p:nvPr/>
+        </p:nvSpPr>
+        <p:spPr>
+          <a:xfrm>
+            <a:off x="457200" y="1192872"/>
+            <a:ext cx="11222182" cy="4525963"/>
+          </a:xfrm>
+          <a:prstGeom prst="rect">
+            <a:avLst/>
+          </a:prstGeom>
+        </p:spPr>
+        <p:txBody>
+          <a:bodyPr/>
+          <a:lstStyle>
+            <a:lvl1pPr marL="228600" indent="-228600" algn="l" defTabSz="914400" rtl="0" eaLnBrk="1" latinLnBrk="1" hangingPunct="1">
+              <a:lnSpc>
+                <a:spcPct val="90000"/>
+              </a:lnSpc>
+              <a:spcBef>
+                <a:spcPts val="1000"/>
+              </a:spcBef>
+              <a:buFont typeface="Arial" panose="020B0604020202020204" pitchFamily="34" charset="0"/>
+              <a:buChar char="•"/>
+              <a:defRPr sz="2800" kern="1200">
+                <a:solidFill>
+                  <a:schemeClr val="tx1"/>
+                </a:solidFill>
+                <a:latin typeface="+mn-lt"/>
+                <a:ea typeface="+mn-ea"/>
+                <a:cs typeface="+mn-cs"/>
+              </a:defRPr>
+            </a:lvl1pPr>
+            <a:lvl2pPr marL="685800" indent="-228600" algn="l" defTabSz="914400" rtl="0" eaLnBrk="1" latinLnBrk="1" hangingPunct="1">
+              <a:lnSpc>
+                <a:spcPct val="90000"/>
+              </a:lnSpc>
+              <a:spcBef>
+                <a:spcPts val="500"/>
+              </a:spcBef>
+              <a:buFont typeface="Arial" panose="020B0604020202020204" pitchFamily="34" charset="0"/>
+              <a:buChar char="•"/>
+              <a:defRPr sz="2400" kern="1200">
+                <a:solidFill>
+                  <a:schemeClr val="tx1"/>
+                </a:solidFill>
+                <a:latin typeface="+mn-lt"/>
+                <a:ea typeface="+mn-ea"/>
+                <a:cs typeface="+mn-cs"/>
+              </a:defRPr>
+            </a:lvl2pPr>
+            <a:lvl3pPr marL="1143000" indent="-228600" algn="l" defTabSz="914400" rtl="0" eaLnBrk="1" latinLnBrk="1" hangingPunct="1">
+              <a:lnSpc>
+                <a:spcPct val="90000"/>
+              </a:lnSpc>
+              <a:spcBef>
+                <a:spcPts val="500"/>
+              </a:spcBef>
+              <a:buFont typeface="Arial" panose="020B0604020202020204" pitchFamily="34" charset="0"/>
+              <a:buChar char="•"/>
+              <a:defRPr sz="2000" kern="1200">
+                <a:solidFill>
+                  <a:schemeClr val="tx1"/>
+                </a:solidFill>
+                <a:latin typeface="+mn-lt"/>
+                <a:ea typeface="+mn-ea"/>
+                <a:cs typeface="+mn-cs"/>
+              </a:defRPr>
+            </a:lvl3pPr>
+            <a:lvl4pPr marL="1600200" indent="-228600" algn="l" defTabSz="914400" rtl="0" eaLnBrk="1" latinLnBrk="1" hangingPunct="1">
+              <a:lnSpc>
+                <a:spcPct val="90000"/>
+              </a:lnSpc>
+              <a:spcBef>
+                <a:spcPts val="500"/>
+              </a:spcBef>
+              <a:buFont typeface="Arial" panose="020B0604020202020204" pitchFamily="34" charset="0"/>
+              <a:buChar char="•"/>
+              <a:defRPr sz="1800" kern="1200">
+                <a:solidFill>
+                  <a:schemeClr val="tx1"/>
+                </a:solidFill>
+                <a:latin typeface="+mn-lt"/>
+                <a:ea typeface="+mn-ea"/>
+                <a:cs typeface="+mn-cs"/>
+              </a:defRPr>
+            </a:lvl4pPr>
+            <a:lvl5pPr marL="2057400" indent="-228600" algn="l" defTabSz="914400" rtl="0" eaLnBrk="1" latinLnBrk="1" hangingPunct="1">
+              <a:lnSpc>
+                <a:spcPct val="90000"/>
+              </a:lnSpc>
+              <a:spcBef>
+                <a:spcPts val="500"/>
+              </a:spcBef>
+              <a:buFont typeface="Arial" panose="020B0604020202020204" pitchFamily="34" charset="0"/>
+              <a:buChar char="•"/>
+              <a:defRPr sz="1800" kern="1200">
+                <a:solidFill>
+                  <a:schemeClr val="tx1"/>
+                </a:solidFill>
+                <a:latin typeface="+mn-lt"/>
+                <a:ea typeface="+mn-ea"/>
+                <a:cs typeface="+mn-cs"/>
+              </a:defRPr>
+            </a:lvl5pPr>
+            <a:lvl6pPr marL="2514600" indent="-228600" algn="l" defTabSz="914400" rtl="0" eaLnBrk="1" latinLnBrk="1" hangingPunct="1">
+              <a:lnSpc>
+                <a:spcPct val="90000"/>
+              </a:lnSpc>
+              <a:spcBef>
+                <a:spcPts val="500"/>
+              </a:spcBef>
+              <a:buFont typeface="Arial" panose="020B0604020202020204" pitchFamily="34" charset="0"/>
+              <a:buChar char="•"/>
+              <a:defRPr sz="1800" kern="1200">
+                <a:solidFill>
+                  <a:schemeClr val="tx1"/>
+                </a:solidFill>
+                <a:latin typeface="+mn-lt"/>
+                <a:ea typeface="+mn-ea"/>
+                <a:cs typeface="+mn-cs"/>
+              </a:defRPr>
+            </a:lvl6pPr>
+            <a:lvl7pPr marL="2971800" indent="-228600" algn="l" defTabSz="914400" rtl="0" eaLnBrk="1" latinLnBrk="1" hangingPunct="1">
+              <a:lnSpc>
+                <a:spcPct val="90000"/>
+              </a:lnSpc>
+              <a:spcBef>
+                <a:spcPts val="500"/>
+              </a:spcBef>
+              <a:buFont typeface="Arial" panose="020B0604020202020204" pitchFamily="34" charset="0"/>
+              <a:buChar char="•"/>
+              <a:defRPr sz="1800" kern="1200">
+                <a:solidFill>
+                  <a:schemeClr val="tx1"/>
+                </a:solidFill>
+                <a:latin typeface="+mn-lt"/>
+                <a:ea typeface="+mn-ea"/>
+                <a:cs typeface="+mn-cs"/>
+              </a:defRPr>
+            </a:lvl7pPr>
+            <a:lvl8pPr marL="3429000" indent="-228600" algn="l" defTabSz="914400" rtl="0" eaLnBrk="1" latinLnBrk="1" hangingPunct="1">
+              <a:lnSpc>
+                <a:spcPct val="90000"/>
+              </a:lnSpc>
+              <a:spcBef>
+                <a:spcPts val="500"/>
+              </a:spcBef>
+              <a:buFont typeface="Arial" panose="020B0604020202020204" pitchFamily="34" charset="0"/>
+              <a:buChar char="•"/>
+              <a:defRPr sz="1800" kern="1200">
+                <a:solidFill>
+                  <a:schemeClr val="tx1"/>
+                </a:solidFill>
+                <a:latin typeface="+mn-lt"/>
+                <a:ea typeface="+mn-ea"/>
+                <a:cs typeface="+mn-cs"/>
+              </a:defRPr>
+            </a:lvl8pPr>
+            <a:lvl9pPr marL="3886200" indent="-228600" algn="l" defTabSz="914400" rtl="0" eaLnBrk="1" latinLnBrk="1" hangingPunct="1">
+              <a:lnSpc>
+                <a:spcPct val="90000"/>
+              </a:lnSpc>
+              <a:spcBef>
+                <a:spcPts val="500"/>
+              </a:spcBef>
+              <a:buFont typeface="Arial" panose="020B0604020202020204" pitchFamily="34" charset="0"/>
+              <a:buChar char="•"/>
+              <a:defRPr sz="1800" kern="1200">
+                <a:solidFill>
+                  <a:schemeClr val="tx1"/>
+                </a:solidFill>
+                <a:latin typeface="+mn-lt"/>
+                <a:ea typeface="+mn-ea"/>
+                <a:cs typeface="+mn-cs"/>
+              </a:defRPr>
+            </a:lvl9pPr>
+          </a:lstStyle>
+          <a:p>
+            <a:pPr marL="0" indent="0">
+              <a:lnSpc>
+                <a:spcPct val="100000"/>
+              </a:lnSpc>
+              <a:buNone/>
+            </a:pPr>
+            <a:r>
+              <a:rPr lang="ko-KR" altLang="en-US" dirty="0" smtClean="0"/>
+              <a:t>삭제</a:t>
+            </a:r>
+            <a:endParaRPr lang="en-US" altLang="ko-KR" dirty="0" smtClean="0"/>
+          </a:p>
+          <a:p>
+            <a:pPr marL="0" indent="0">
+              <a:lnSpc>
+                <a:spcPct val="100000"/>
+              </a:lnSpc>
+              <a:buNone/>
+            </a:pPr>
+            <a:r>
+              <a:rPr lang="en-US" altLang="ko-KR" dirty="0" smtClean="0"/>
+              <a:t>  ALTER TABLE </a:t>
+            </a:r>
+            <a:r>
+              <a:rPr lang="ko-KR" altLang="en-US" dirty="0" err="1" smtClean="0"/>
+              <a:t>테이블명</a:t>
+            </a:r>
+            <a:endParaRPr lang="en-US" altLang="ko-KR" dirty="0" smtClean="0"/>
+          </a:p>
+          <a:p>
+            <a:pPr marL="0" indent="0">
+              <a:lnSpc>
+                <a:spcPct val="100000"/>
+              </a:lnSpc>
+              <a:buNone/>
+            </a:pPr>
+            <a:r>
+              <a:rPr lang="en-US" altLang="ko-KR" dirty="0" smtClean="0"/>
+              <a:t>  </a:t>
+            </a:r>
+            <a:r>
+              <a:rPr lang="en-US" altLang="ko-KR" dirty="0" smtClean="0"/>
+              <a:t>DROP PRIMARY KEY;</a:t>
+            </a:r>
+            <a:endParaRPr lang="en-US" altLang="ko-KR" dirty="0"/>
+          </a:p>
+        </p:txBody>
+      </p:sp>
+      <p:sp>
+        <p:nvSpPr>
+          <p:cNvPr id="7" name="직사각형 6"/>
+          <p:cNvSpPr/>
+          <p:nvPr/>
+        </p:nvSpPr>
+        <p:spPr>
+          <a:xfrm>
+            <a:off x="3798962" y="385479"/>
+            <a:ext cx="1414426" cy="369332"/>
+          </a:xfrm>
+          <a:prstGeom prst="rect">
+            <a:avLst/>
+          </a:prstGeom>
+        </p:spPr>
+        <p:txBody>
+          <a:bodyPr wrap="none">
+            <a:spAutoFit/>
+          </a:bodyPr>
+          <a:lstStyle/>
+          <a:p>
+            <a:r>
+              <a:rPr lang="en-US" altLang="ko-KR" dirty="0" smtClean="0"/>
+              <a:t>Primary key</a:t>
+            </a:r>
+            <a:endParaRPr lang="ko-KR" altLang="en-US" dirty="0"/>
+          </a:p>
+        </p:txBody>
+      </p:sp>
+    </p:spTree>
+    <p:extLst>
+      <p:ext uri="{BB962C8B-B14F-4D97-AF65-F5344CB8AC3E}">
+        <p14:creationId xmlns:p14="http://schemas.microsoft.com/office/powerpoint/2010/main" val="2894384325"/>
+      </p:ext>
+    </p:extLst>
+  </p:cSld>
+  <p:clrMapOvr>
+    <a:masterClrMapping/>
+  </p:clrMapOvr>
+  <p:timing>
+    <p:tnLst>
+      <p:par>
+        <p:cTn id="1" dur="indefinite" restart="never" nodeType="tmRoot"/>
+      </p:par>
+    </p:tnLst>
+  </p:timing>
+</p:sld>
+</file>
+
+<file path=ppt/slides/slide27.xml><?xml version="1.0" encoding="utf-8"?>
+<p:sld xmlns:a="http://schemas.openxmlformats.org/drawingml/2006/main" xmlns:r="http://schemas.openxmlformats.org/officeDocument/2006/relationships" xmlns:p="http://schemas.openxmlformats.org/presentationml/2006/main">
+  <p:cSld>
+    <p:spTree>
+      <p:nvGrpSpPr>
+        <p:cNvPr id="1" name=""/>
+        <p:cNvGrpSpPr/>
+        <p:nvPr/>
+      </p:nvGrpSpPr>
+      <p:grpSpPr>
+        <a:xfrm>
+          <a:off x="0" y="0"/>
+          <a:ext cx="0" cy="0"/>
+          <a:chOff x="0" y="0"/>
+          <a:chExt cx="0" cy="0"/>
+        </a:xfrm>
+      </p:grpSpPr>
+      <p:sp>
+        <p:nvSpPr>
+          <p:cNvPr id="44" name="도형 17"/>
+          <p:cNvSpPr>
+            <a:spLocks/>
+          </p:cNvSpPr>
+          <p:nvPr/>
+        </p:nvSpPr>
+        <p:spPr>
+          <a:xfrm>
+            <a:off x="765868" y="316230"/>
+            <a:ext cx="1107996" cy="507831"/>
+          </a:xfrm>
+          <a:prstGeom prst="rect">
+            <a:avLst/>
+          </a:prstGeom>
+          <a:ln w="0">
+            <a:noFill/>
+            <a:prstDash/>
+          </a:ln>
+        </p:spPr>
+        <p:txBody>
+          <a:bodyPr vert="horz" wrap="none" lIns="91440" tIns="45720" rIns="91440" bIns="45720" numCol="1" anchor="t">
+            <a:spAutoFit/>
+          </a:bodyPr>
+          <a:lstStyle/>
+          <a:p>
+            <a:pPr marL="0" indent="0" latinLnBrk="0">
+              <a:lnSpc>
+                <a:spcPct val="150000"/>
+              </a:lnSpc>
+              <a:buFontTx/>
+              <a:buNone/>
+            </a:pPr>
+            <a:r>
+              <a:rPr lang="ko-KR" altLang="en-US" dirty="0" smtClean="0">
+                <a:solidFill>
+                  <a:schemeClr val="bg1"/>
+                </a:solidFill>
+              </a:rPr>
+              <a:t>제약조건</a:t>
+            </a:r>
+            <a:endParaRPr lang="ko-KR" altLang="en-US" dirty="0">
+              <a:solidFill>
+                <a:schemeClr val="bg1"/>
+              </a:solidFill>
+            </a:endParaRPr>
+          </a:p>
+        </p:txBody>
+      </p:sp>
+      <p:sp>
+        <p:nvSpPr>
+          <p:cNvPr id="5" name="내용 개체 틀 2"/>
+          <p:cNvSpPr txBox="1">
+            <a:spLocks/>
+          </p:cNvSpPr>
+          <p:nvPr/>
+        </p:nvSpPr>
+        <p:spPr>
+          <a:xfrm>
+            <a:off x="457200" y="1192872"/>
+            <a:ext cx="11222182" cy="4525963"/>
+          </a:xfrm>
+          <a:prstGeom prst="rect">
+            <a:avLst/>
+          </a:prstGeom>
+        </p:spPr>
+        <p:txBody>
+          <a:bodyPr/>
+          <a:lstStyle>
+            <a:lvl1pPr marL="228600" indent="-228600" algn="l" defTabSz="914400" rtl="0" eaLnBrk="1" latinLnBrk="1" hangingPunct="1">
+              <a:lnSpc>
+                <a:spcPct val="90000"/>
+              </a:lnSpc>
+              <a:spcBef>
+                <a:spcPts val="1000"/>
+              </a:spcBef>
+              <a:buFont typeface="Arial" panose="020B0604020202020204" pitchFamily="34" charset="0"/>
+              <a:buChar char="•"/>
+              <a:defRPr sz="2800" kern="1200">
+                <a:solidFill>
+                  <a:schemeClr val="tx1"/>
+                </a:solidFill>
+                <a:latin typeface="+mn-lt"/>
+                <a:ea typeface="+mn-ea"/>
+                <a:cs typeface="+mn-cs"/>
+              </a:defRPr>
+            </a:lvl1pPr>
+            <a:lvl2pPr marL="685800" indent="-228600" algn="l" defTabSz="914400" rtl="0" eaLnBrk="1" latinLnBrk="1" hangingPunct="1">
+              <a:lnSpc>
+                <a:spcPct val="90000"/>
+              </a:lnSpc>
+              <a:spcBef>
+                <a:spcPts val="500"/>
+              </a:spcBef>
+              <a:buFont typeface="Arial" panose="020B0604020202020204" pitchFamily="34" charset="0"/>
+              <a:buChar char="•"/>
+              <a:defRPr sz="2400" kern="1200">
+                <a:solidFill>
+                  <a:schemeClr val="tx1"/>
+                </a:solidFill>
+                <a:latin typeface="+mn-lt"/>
+                <a:ea typeface="+mn-ea"/>
+                <a:cs typeface="+mn-cs"/>
+              </a:defRPr>
+            </a:lvl2pPr>
+            <a:lvl3pPr marL="1143000" indent="-228600" algn="l" defTabSz="914400" rtl="0" eaLnBrk="1" latinLnBrk="1" hangingPunct="1">
+              <a:lnSpc>
+                <a:spcPct val="90000"/>
+              </a:lnSpc>
+              <a:spcBef>
+                <a:spcPts val="500"/>
+              </a:spcBef>
+              <a:buFont typeface="Arial" panose="020B0604020202020204" pitchFamily="34" charset="0"/>
+              <a:buChar char="•"/>
+              <a:defRPr sz="2000" kern="1200">
+                <a:solidFill>
+                  <a:schemeClr val="tx1"/>
+                </a:solidFill>
+                <a:latin typeface="+mn-lt"/>
+                <a:ea typeface="+mn-ea"/>
+                <a:cs typeface="+mn-cs"/>
+              </a:defRPr>
+            </a:lvl3pPr>
+            <a:lvl4pPr marL="1600200" indent="-228600" algn="l" defTabSz="914400" rtl="0" eaLnBrk="1" latinLnBrk="1" hangingPunct="1">
+              <a:lnSpc>
+                <a:spcPct val="90000"/>
+              </a:lnSpc>
+              <a:spcBef>
+                <a:spcPts val="500"/>
+              </a:spcBef>
+              <a:buFont typeface="Arial" panose="020B0604020202020204" pitchFamily="34" charset="0"/>
+              <a:buChar char="•"/>
+              <a:defRPr sz="1800" kern="1200">
+                <a:solidFill>
+                  <a:schemeClr val="tx1"/>
+                </a:solidFill>
+                <a:latin typeface="+mn-lt"/>
+                <a:ea typeface="+mn-ea"/>
+                <a:cs typeface="+mn-cs"/>
+              </a:defRPr>
+            </a:lvl4pPr>
+            <a:lvl5pPr marL="2057400" indent="-228600" algn="l" defTabSz="914400" rtl="0" eaLnBrk="1" latinLnBrk="1" hangingPunct="1">
+              <a:lnSpc>
+                <a:spcPct val="90000"/>
+              </a:lnSpc>
+              <a:spcBef>
+                <a:spcPts val="500"/>
+              </a:spcBef>
+              <a:buFont typeface="Arial" panose="020B0604020202020204" pitchFamily="34" charset="0"/>
+              <a:buChar char="•"/>
+              <a:defRPr sz="1800" kern="1200">
+                <a:solidFill>
+                  <a:schemeClr val="tx1"/>
+                </a:solidFill>
+                <a:latin typeface="+mn-lt"/>
+                <a:ea typeface="+mn-ea"/>
+                <a:cs typeface="+mn-cs"/>
+              </a:defRPr>
+            </a:lvl5pPr>
+            <a:lvl6pPr marL="2514600" indent="-228600" algn="l" defTabSz="914400" rtl="0" eaLnBrk="1" latinLnBrk="1" hangingPunct="1">
+              <a:lnSpc>
+                <a:spcPct val="90000"/>
+              </a:lnSpc>
+              <a:spcBef>
+                <a:spcPts val="500"/>
+              </a:spcBef>
+              <a:buFont typeface="Arial" panose="020B0604020202020204" pitchFamily="34" charset="0"/>
+              <a:buChar char="•"/>
+              <a:defRPr sz="1800" kern="1200">
+                <a:solidFill>
+                  <a:schemeClr val="tx1"/>
+                </a:solidFill>
+                <a:latin typeface="+mn-lt"/>
+                <a:ea typeface="+mn-ea"/>
+                <a:cs typeface="+mn-cs"/>
+              </a:defRPr>
+            </a:lvl6pPr>
+            <a:lvl7pPr marL="2971800" indent="-228600" algn="l" defTabSz="914400" rtl="0" eaLnBrk="1" latinLnBrk="1" hangingPunct="1">
+              <a:lnSpc>
+                <a:spcPct val="90000"/>
+              </a:lnSpc>
+              <a:spcBef>
+                <a:spcPts val="500"/>
+              </a:spcBef>
+              <a:buFont typeface="Arial" panose="020B0604020202020204" pitchFamily="34" charset="0"/>
+              <a:buChar char="•"/>
+              <a:defRPr sz="1800" kern="1200">
+                <a:solidFill>
+                  <a:schemeClr val="tx1"/>
+                </a:solidFill>
+                <a:latin typeface="+mn-lt"/>
+                <a:ea typeface="+mn-ea"/>
+                <a:cs typeface="+mn-cs"/>
+              </a:defRPr>
+            </a:lvl7pPr>
+            <a:lvl8pPr marL="3429000" indent="-228600" algn="l" defTabSz="914400" rtl="0" eaLnBrk="1" latinLnBrk="1" hangingPunct="1">
+              <a:lnSpc>
+                <a:spcPct val="90000"/>
+              </a:lnSpc>
+              <a:spcBef>
+                <a:spcPts val="500"/>
+              </a:spcBef>
+              <a:buFont typeface="Arial" panose="020B0604020202020204" pitchFamily="34" charset="0"/>
+              <a:buChar char="•"/>
+              <a:defRPr sz="1800" kern="1200">
+                <a:solidFill>
+                  <a:schemeClr val="tx1"/>
+                </a:solidFill>
+                <a:latin typeface="+mn-lt"/>
+                <a:ea typeface="+mn-ea"/>
+                <a:cs typeface="+mn-cs"/>
+              </a:defRPr>
+            </a:lvl8pPr>
+            <a:lvl9pPr marL="3886200" indent="-228600" algn="l" defTabSz="914400" rtl="0" eaLnBrk="1" latinLnBrk="1" hangingPunct="1">
+              <a:lnSpc>
+                <a:spcPct val="90000"/>
+              </a:lnSpc>
+              <a:spcBef>
+                <a:spcPts val="500"/>
+              </a:spcBef>
+              <a:buFont typeface="Arial" panose="020B0604020202020204" pitchFamily="34" charset="0"/>
+              <a:buChar char="•"/>
+              <a:defRPr sz="1800" kern="1200">
+                <a:solidFill>
+                  <a:schemeClr val="tx1"/>
+                </a:solidFill>
+                <a:latin typeface="+mn-lt"/>
+                <a:ea typeface="+mn-ea"/>
+                <a:cs typeface="+mn-cs"/>
+              </a:defRPr>
+            </a:lvl9pPr>
+          </a:lstStyle>
+          <a:p>
+            <a:pPr marL="0" indent="0">
+              <a:lnSpc>
+                <a:spcPct val="100000"/>
+              </a:lnSpc>
+              <a:buNone/>
+            </a:pPr>
+            <a:r>
+              <a:rPr lang="ko-KR" altLang="en-US" dirty="0" smtClean="0"/>
+              <a:t>삭제</a:t>
+            </a:r>
+            <a:endParaRPr lang="en-US" altLang="ko-KR" dirty="0" smtClean="0"/>
+          </a:p>
+          <a:p>
+            <a:pPr marL="0" indent="0">
+              <a:lnSpc>
+                <a:spcPct val="100000"/>
+              </a:lnSpc>
+              <a:buNone/>
+            </a:pPr>
+            <a:r>
+              <a:rPr lang="en-US" altLang="ko-KR" dirty="0" smtClean="0"/>
+              <a:t>  ALTER TABLE </a:t>
+            </a:r>
+            <a:r>
+              <a:rPr lang="en-US" altLang="ko-KR" dirty="0" smtClean="0"/>
+              <a:t>prim_test1</a:t>
+            </a:r>
+            <a:endParaRPr lang="en-US" altLang="ko-KR" dirty="0" smtClean="0"/>
+          </a:p>
+          <a:p>
+            <a:pPr marL="0" indent="0">
+              <a:lnSpc>
+                <a:spcPct val="100000"/>
+              </a:lnSpc>
+              <a:buNone/>
+            </a:pPr>
+            <a:r>
+              <a:rPr lang="en-US" altLang="ko-KR" dirty="0" smtClean="0"/>
+              <a:t>  </a:t>
+            </a:r>
+            <a:r>
+              <a:rPr lang="en-US" altLang="ko-KR" dirty="0" smtClean="0"/>
+              <a:t>DROP PRIMARY KEY;</a:t>
+            </a:r>
+            <a:endParaRPr lang="en-US" altLang="ko-KR" dirty="0"/>
+          </a:p>
+        </p:txBody>
+      </p:sp>
+      <p:sp>
+        <p:nvSpPr>
+          <p:cNvPr id="7" name="직사각형 6"/>
+          <p:cNvSpPr/>
+          <p:nvPr/>
+        </p:nvSpPr>
+        <p:spPr>
+          <a:xfrm>
+            <a:off x="3798962" y="385479"/>
+            <a:ext cx="1414426" cy="369332"/>
+          </a:xfrm>
+          <a:prstGeom prst="rect">
+            <a:avLst/>
+          </a:prstGeom>
+        </p:spPr>
+        <p:txBody>
+          <a:bodyPr wrap="none">
+            <a:spAutoFit/>
+          </a:bodyPr>
+          <a:lstStyle/>
+          <a:p>
+            <a:r>
+              <a:rPr lang="en-US" altLang="ko-KR" dirty="0" smtClean="0"/>
+              <a:t>Primary key</a:t>
+            </a:r>
+            <a:endParaRPr lang="ko-KR" altLang="en-US" dirty="0"/>
+          </a:p>
+        </p:txBody>
+      </p:sp>
+      <p:pic>
+        <p:nvPicPr>
+          <p:cNvPr id="2" name="그림 1"/>
+          <p:cNvPicPr>
+            <a:picLocks noChangeAspect="1"/>
+          </p:cNvPicPr>
+          <p:nvPr/>
+        </p:nvPicPr>
+        <p:blipFill>
+          <a:blip r:embed="rId2"/>
+          <a:stretch>
+            <a:fillRect/>
+          </a:stretch>
+        </p:blipFill>
+        <p:spPr>
+          <a:xfrm>
+            <a:off x="4506175" y="3179818"/>
+            <a:ext cx="7244315" cy="3178941"/>
+          </a:xfrm>
+          <a:prstGeom prst="rect">
+            <a:avLst/>
+          </a:prstGeom>
+        </p:spPr>
+      </p:pic>
+    </p:spTree>
+    <p:extLst>
+      <p:ext uri="{BB962C8B-B14F-4D97-AF65-F5344CB8AC3E}">
+        <p14:creationId xmlns:p14="http://schemas.microsoft.com/office/powerpoint/2010/main" val="4058613268"/>
+      </p:ext>
+    </p:extLst>
+  </p:cSld>
+  <p:clrMapOvr>
+    <a:masterClrMapping/>
+  </p:clrMapOvr>
+  <p:timing>
+    <p:tnLst>
+      <p:par>
+        <p:cTn id="1" dur="indefinite" restart="never" nodeType="tmRoot"/>
+      </p:par>
+    </p:tnLst>
+  </p:timing>
+</p:sld>
+</file>
+
+<file path=ppt/slides/slide28.xml><?xml version="1.0" encoding="utf-8"?>
 <p:sld xmlns:a="http://schemas.openxmlformats.org/drawingml/2006/main" xmlns:r="http://schemas.openxmlformats.org/officeDocument/2006/relationships" xmlns:p="http://schemas.openxmlformats.org/presentationml/2006/main">
   <p:cSld>
     <p:spTree>
@@ -14288,10 +16272,17 @@
   <p:clrMapOvr>
     <a:masterClrMapping/>
   </p:clrMapOvr>
+  <p:timing>
+    <p:tnLst>
+      <p:par>
+        <p:cTn id="1" dur="indefinite" restart="never" nodeType="tmRoot"/>
+      </p:par>
+    </p:tnLst>
+  </p:timing>
 </p:sld>
 </file>
 
-<file path=ppt/slides/slide24.xml><?xml version="1.0" encoding="utf-8"?>
+<file path=ppt/slides/slide29.xml><?xml version="1.0" encoding="utf-8"?>
 <p:sld xmlns:a="http://schemas.openxmlformats.org/drawingml/2006/main" xmlns:r="http://schemas.openxmlformats.org/officeDocument/2006/relationships" xmlns:p="http://schemas.openxmlformats.org/presentationml/2006/main">
   <p:cSld>
     <p:spTree>
@@ -14692,10 +16683,17 @@
   <p:clrMapOvr>
     <a:masterClrMapping/>
   </p:clrMapOvr>
+  <p:timing>
+    <p:tnLst>
+      <p:par>
+        <p:cTn id="1" dur="indefinite" restart="never" nodeType="tmRoot"/>
+      </p:par>
+    </p:tnLst>
+  </p:timing>
 </p:sld>
 </file>
 
-<file path=ppt/slides/slide25.xml><?xml version="1.0" encoding="utf-8"?>
+<file path=ppt/slides/slide3.xml><?xml version="1.0" encoding="utf-8"?>
 <p:sld xmlns:a="http://schemas.openxmlformats.org/drawingml/2006/main" xmlns:r="http://schemas.openxmlformats.org/officeDocument/2006/relationships" xmlns:p="http://schemas.openxmlformats.org/presentationml/2006/main">
   <p:cSld>
     <p:spTree>
@@ -14954,7 +16952,7 @@
             </a:pPr>
             <a:r>
               <a:rPr lang="en-US" altLang="ko-KR" dirty="0" smtClean="0"/>
-              <a:t>FOREIGN KEY </a:t>
+              <a:t>Default </a:t>
             </a:r>
             <a:r>
               <a:rPr lang="ko-KR" altLang="en-US" dirty="0" smtClean="0"/>
@@ -14979,43 +16977,20 @@
             </a:r>
             <a:r>
               <a:rPr lang="ko-KR" altLang="en-US" dirty="0" smtClean="0"/>
-              <a:t>다른 테이블 과의 참조 관계를 설정</a:t>
-            </a:r>
-            <a:endParaRPr lang="en-US" altLang="ko-KR" dirty="0" smtClean="0"/>
-          </a:p>
-          <a:p>
-            <a:pPr marL="0" indent="0">
-              <a:lnSpc>
-                <a:spcPct val="150000"/>
-              </a:lnSpc>
-              <a:buNone/>
-            </a:pPr>
+              <a:t>컬럼</a:t>
+            </a:r>
             <a:r>
               <a:rPr lang="en-US" altLang="ko-KR" dirty="0" smtClean="0"/>
-              <a:t>  - </a:t>
+              <a:t>(field)</a:t>
             </a:r>
             <a:r>
               <a:rPr lang="ko-KR" altLang="en-US" dirty="0" smtClean="0"/>
-              <a:t>참조된 테이블에서 없는 데이터는 입력 불가</a:t>
-            </a:r>
-            <a:endParaRPr lang="en-US" altLang="ko-KR" dirty="0" smtClean="0"/>
-          </a:p>
-          <a:p>
-            <a:pPr marL="0" indent="0">
-              <a:lnSpc>
-                <a:spcPct val="150000"/>
-              </a:lnSpc>
-              <a:buNone/>
-            </a:pPr>
+              <a:t>에 기본 값을 설정할 수 있게 해 준다</a:t>
+            </a:r>
             <a:r>
               <a:rPr lang="en-US" altLang="ko-KR" dirty="0" smtClean="0"/>
-              <a:t>  - </a:t>
-            </a:r>
-            <a:r>
-              <a:rPr lang="ko-KR" altLang="en-US" dirty="0" smtClean="0"/>
-              <a:t>중복 가능</a:t>
-            </a:r>
-            <a:endParaRPr lang="en-US" altLang="ko-KR" dirty="0" smtClean="0"/>
+              <a:t>.</a:t>
+            </a:r>
           </a:p>
           <a:p>
             <a:pPr marL="0" indent="0">
@@ -15030,11 +17005,11 @@
             </a:r>
             <a:r>
               <a:rPr lang="en-US" altLang="ko-KR" dirty="0" smtClean="0"/>
-              <a:t> - FK </a:t>
+              <a:t> - </a:t>
             </a:r>
             <a:r>
               <a:rPr lang="ko-KR" altLang="en-US" dirty="0" smtClean="0"/>
-              <a:t>조건이 실행 되어있는 테이블의 데이터가 먼저 삭제 되어야 참조 테이블 데이터 삭제 가능</a:t>
+              <a:t>입력하지 않아도 기본적으로 입력이 되어 값의 누락 방지</a:t>
             </a:r>
             <a:endParaRPr lang="en-US" altLang="ko-KR" dirty="0"/>
           </a:p>
@@ -15049,7 +17024,7 @@
         <p:spPr>
           <a:xfrm>
             <a:off x="3798962" y="385479"/>
-            <a:ext cx="1399550" cy="369332"/>
+            <a:ext cx="936475" cy="369332"/>
           </a:xfrm>
           <a:prstGeom prst="rect">
             <a:avLst/>
@@ -15062,8 +17037,8 @@
           <a:lstStyle/>
           <a:p>
             <a:r>
-              <a:rPr lang="en-US" altLang="ko-KR" dirty="0" smtClean="0"/>
-              <a:t>Foreign key</a:t>
+              <a:rPr lang="en-US" altLang="ko-KR" dirty="0"/>
+              <a:t>Default</a:t>
             </a:r>
             <a:endParaRPr lang="ko-KR" altLang="en-US" dirty="0"/>
           </a:p>
@@ -15072,17 +17047,24 @@
     </p:spTree>
     <p:extLst>
       <p:ext uri="{BB962C8B-B14F-4D97-AF65-F5344CB8AC3E}">
-        <p14:creationId xmlns:p14="http://schemas.microsoft.com/office/powerpoint/2010/main" val="2668522572"/>
+        <p14:creationId xmlns:p14="http://schemas.microsoft.com/office/powerpoint/2010/main" val="739206379"/>
       </p:ext>
     </p:extLst>
   </p:cSld>
   <p:clrMapOvr>
     <a:masterClrMapping/>
   </p:clrMapOvr>
+  <p:timing>
+    <p:tnLst>
+      <p:par>
+        <p:cTn id="1" dur="indefinite" restart="never" nodeType="tmRoot"/>
+      </p:par>
+    </p:tnLst>
+  </p:timing>
 </p:sld>
 </file>
 
-<file path=ppt/slides/slide26.xml><?xml version="1.0" encoding="utf-8"?>
+<file path=ppt/slides/slide30.xml><?xml version="1.0" encoding="utf-8"?>
 <p:sld xmlns:a="http://schemas.openxmlformats.org/drawingml/2006/main" xmlns:r="http://schemas.openxmlformats.org/officeDocument/2006/relationships" xmlns:p="http://schemas.openxmlformats.org/presentationml/2006/main">
   <p:cSld>
     <p:spTree>
@@ -15151,6 +17133,400 @@
       </p:sp>
       <p:sp>
         <p:nvSpPr>
+          <p:cNvPr id="7" name="내용 개체 틀 2"/>
+          <p:cNvSpPr txBox="1">
+            <a:spLocks/>
+          </p:cNvSpPr>
+          <p:nvPr/>
+        </p:nvSpPr>
+        <p:spPr>
+          <a:xfrm>
+            <a:off x="457200" y="1334192"/>
+            <a:ext cx="11222182" cy="4525963"/>
+          </a:xfrm>
+          <a:prstGeom prst="rect">
+            <a:avLst/>
+          </a:prstGeom>
+        </p:spPr>
+        <p:txBody>
+          <a:bodyPr/>
+          <a:lstStyle>
+            <a:lvl1pPr marL="228600" indent="-228600" algn="l" defTabSz="914400" rtl="0" eaLnBrk="1" latinLnBrk="1" hangingPunct="1">
+              <a:lnSpc>
+                <a:spcPct val="90000"/>
+              </a:lnSpc>
+              <a:spcBef>
+                <a:spcPts val="1000"/>
+              </a:spcBef>
+              <a:buFont typeface="Arial" panose="020B0604020202020204" pitchFamily="34" charset="0"/>
+              <a:buChar char="•"/>
+              <a:defRPr sz="2800" kern="1200">
+                <a:solidFill>
+                  <a:schemeClr val="tx1"/>
+                </a:solidFill>
+                <a:latin typeface="+mn-lt"/>
+                <a:ea typeface="+mn-ea"/>
+                <a:cs typeface="+mn-cs"/>
+              </a:defRPr>
+            </a:lvl1pPr>
+            <a:lvl2pPr marL="685800" indent="-228600" algn="l" defTabSz="914400" rtl="0" eaLnBrk="1" latinLnBrk="1" hangingPunct="1">
+              <a:lnSpc>
+                <a:spcPct val="90000"/>
+              </a:lnSpc>
+              <a:spcBef>
+                <a:spcPts val="500"/>
+              </a:spcBef>
+              <a:buFont typeface="Arial" panose="020B0604020202020204" pitchFamily="34" charset="0"/>
+              <a:buChar char="•"/>
+              <a:defRPr sz="2400" kern="1200">
+                <a:solidFill>
+                  <a:schemeClr val="tx1"/>
+                </a:solidFill>
+                <a:latin typeface="+mn-lt"/>
+                <a:ea typeface="+mn-ea"/>
+                <a:cs typeface="+mn-cs"/>
+              </a:defRPr>
+            </a:lvl2pPr>
+            <a:lvl3pPr marL="1143000" indent="-228600" algn="l" defTabSz="914400" rtl="0" eaLnBrk="1" latinLnBrk="1" hangingPunct="1">
+              <a:lnSpc>
+                <a:spcPct val="90000"/>
+              </a:lnSpc>
+              <a:spcBef>
+                <a:spcPts val="500"/>
+              </a:spcBef>
+              <a:buFont typeface="Arial" panose="020B0604020202020204" pitchFamily="34" charset="0"/>
+              <a:buChar char="•"/>
+              <a:defRPr sz="2000" kern="1200">
+                <a:solidFill>
+                  <a:schemeClr val="tx1"/>
+                </a:solidFill>
+                <a:latin typeface="+mn-lt"/>
+                <a:ea typeface="+mn-ea"/>
+                <a:cs typeface="+mn-cs"/>
+              </a:defRPr>
+            </a:lvl3pPr>
+            <a:lvl4pPr marL="1600200" indent="-228600" algn="l" defTabSz="914400" rtl="0" eaLnBrk="1" latinLnBrk="1" hangingPunct="1">
+              <a:lnSpc>
+                <a:spcPct val="90000"/>
+              </a:lnSpc>
+              <a:spcBef>
+                <a:spcPts val="500"/>
+              </a:spcBef>
+              <a:buFont typeface="Arial" panose="020B0604020202020204" pitchFamily="34" charset="0"/>
+              <a:buChar char="•"/>
+              <a:defRPr sz="1800" kern="1200">
+                <a:solidFill>
+                  <a:schemeClr val="tx1"/>
+                </a:solidFill>
+                <a:latin typeface="+mn-lt"/>
+                <a:ea typeface="+mn-ea"/>
+                <a:cs typeface="+mn-cs"/>
+              </a:defRPr>
+            </a:lvl4pPr>
+            <a:lvl5pPr marL="2057400" indent="-228600" algn="l" defTabSz="914400" rtl="0" eaLnBrk="1" latinLnBrk="1" hangingPunct="1">
+              <a:lnSpc>
+                <a:spcPct val="90000"/>
+              </a:lnSpc>
+              <a:spcBef>
+                <a:spcPts val="500"/>
+              </a:spcBef>
+              <a:buFont typeface="Arial" panose="020B0604020202020204" pitchFamily="34" charset="0"/>
+              <a:buChar char="•"/>
+              <a:defRPr sz="1800" kern="1200">
+                <a:solidFill>
+                  <a:schemeClr val="tx1"/>
+                </a:solidFill>
+                <a:latin typeface="+mn-lt"/>
+                <a:ea typeface="+mn-ea"/>
+                <a:cs typeface="+mn-cs"/>
+              </a:defRPr>
+            </a:lvl5pPr>
+            <a:lvl6pPr marL="2514600" indent="-228600" algn="l" defTabSz="914400" rtl="0" eaLnBrk="1" latinLnBrk="1" hangingPunct="1">
+              <a:lnSpc>
+                <a:spcPct val="90000"/>
+              </a:lnSpc>
+              <a:spcBef>
+                <a:spcPts val="500"/>
+              </a:spcBef>
+              <a:buFont typeface="Arial" panose="020B0604020202020204" pitchFamily="34" charset="0"/>
+              <a:buChar char="•"/>
+              <a:defRPr sz="1800" kern="1200">
+                <a:solidFill>
+                  <a:schemeClr val="tx1"/>
+                </a:solidFill>
+                <a:latin typeface="+mn-lt"/>
+                <a:ea typeface="+mn-ea"/>
+                <a:cs typeface="+mn-cs"/>
+              </a:defRPr>
+            </a:lvl6pPr>
+            <a:lvl7pPr marL="2971800" indent="-228600" algn="l" defTabSz="914400" rtl="0" eaLnBrk="1" latinLnBrk="1" hangingPunct="1">
+              <a:lnSpc>
+                <a:spcPct val="90000"/>
+              </a:lnSpc>
+              <a:spcBef>
+                <a:spcPts val="500"/>
+              </a:spcBef>
+              <a:buFont typeface="Arial" panose="020B0604020202020204" pitchFamily="34" charset="0"/>
+              <a:buChar char="•"/>
+              <a:defRPr sz="1800" kern="1200">
+                <a:solidFill>
+                  <a:schemeClr val="tx1"/>
+                </a:solidFill>
+                <a:latin typeface="+mn-lt"/>
+                <a:ea typeface="+mn-ea"/>
+                <a:cs typeface="+mn-cs"/>
+              </a:defRPr>
+            </a:lvl7pPr>
+            <a:lvl8pPr marL="3429000" indent="-228600" algn="l" defTabSz="914400" rtl="0" eaLnBrk="1" latinLnBrk="1" hangingPunct="1">
+              <a:lnSpc>
+                <a:spcPct val="90000"/>
+              </a:lnSpc>
+              <a:spcBef>
+                <a:spcPts val="500"/>
+              </a:spcBef>
+              <a:buFont typeface="Arial" panose="020B0604020202020204" pitchFamily="34" charset="0"/>
+              <a:buChar char="•"/>
+              <a:defRPr sz="1800" kern="1200">
+                <a:solidFill>
+                  <a:schemeClr val="tx1"/>
+                </a:solidFill>
+                <a:latin typeface="+mn-lt"/>
+                <a:ea typeface="+mn-ea"/>
+                <a:cs typeface="+mn-cs"/>
+              </a:defRPr>
+            </a:lvl8pPr>
+            <a:lvl9pPr marL="3886200" indent="-228600" algn="l" defTabSz="914400" rtl="0" eaLnBrk="1" latinLnBrk="1" hangingPunct="1">
+              <a:lnSpc>
+                <a:spcPct val="90000"/>
+              </a:lnSpc>
+              <a:spcBef>
+                <a:spcPts val="500"/>
+              </a:spcBef>
+              <a:buFont typeface="Arial" panose="020B0604020202020204" pitchFamily="34" charset="0"/>
+              <a:buChar char="•"/>
+              <a:defRPr sz="1800" kern="1200">
+                <a:solidFill>
+                  <a:schemeClr val="tx1"/>
+                </a:solidFill>
+                <a:latin typeface="+mn-lt"/>
+                <a:ea typeface="+mn-ea"/>
+                <a:cs typeface="+mn-cs"/>
+              </a:defRPr>
+            </a:lvl9pPr>
+          </a:lstStyle>
+          <a:p>
+            <a:pPr marL="0" indent="0">
+              <a:lnSpc>
+                <a:spcPct val="150000"/>
+              </a:lnSpc>
+              <a:buNone/>
+            </a:pPr>
+            <a:r>
+              <a:rPr lang="en-US" altLang="ko-KR" dirty="0" smtClean="0"/>
+              <a:t>FOREIGN KEY </a:t>
+            </a:r>
+            <a:r>
+              <a:rPr lang="ko-KR" altLang="en-US" dirty="0" smtClean="0"/>
+              <a:t>제약조건</a:t>
+            </a:r>
+            <a:endParaRPr lang="en-US" altLang="ko-KR" dirty="0" smtClean="0"/>
+          </a:p>
+          <a:p>
+            <a:pPr marL="0" indent="0">
+              <a:lnSpc>
+                <a:spcPct val="150000"/>
+              </a:lnSpc>
+              <a:buNone/>
+            </a:pPr>
+            <a:r>
+              <a:rPr lang="en-US" altLang="ko-KR" dirty="0"/>
+              <a:t> </a:t>
+            </a:r>
+            <a:r>
+              <a:rPr lang="en-US" altLang="ko-KR" dirty="0" smtClean="0"/>
+              <a:t> - </a:t>
+            </a:r>
+            <a:r>
+              <a:rPr lang="ko-KR" altLang="en-US" dirty="0" smtClean="0"/>
+              <a:t>다른 테이블 과의 참조 관계를 설정</a:t>
+            </a:r>
+            <a:endParaRPr lang="en-US" altLang="ko-KR" dirty="0" smtClean="0"/>
+          </a:p>
+          <a:p>
+            <a:pPr marL="0" indent="0">
+              <a:lnSpc>
+                <a:spcPct val="150000"/>
+              </a:lnSpc>
+              <a:buNone/>
+            </a:pPr>
+            <a:r>
+              <a:rPr lang="en-US" altLang="ko-KR" dirty="0" smtClean="0"/>
+              <a:t>  - </a:t>
+            </a:r>
+            <a:r>
+              <a:rPr lang="ko-KR" altLang="en-US" dirty="0" smtClean="0"/>
+              <a:t>참조된 테이블에서 없는 데이터는 입력 불가</a:t>
+            </a:r>
+            <a:endParaRPr lang="en-US" altLang="ko-KR" dirty="0" smtClean="0"/>
+          </a:p>
+          <a:p>
+            <a:pPr marL="0" indent="0">
+              <a:lnSpc>
+                <a:spcPct val="150000"/>
+              </a:lnSpc>
+              <a:buNone/>
+            </a:pPr>
+            <a:r>
+              <a:rPr lang="en-US" altLang="ko-KR" dirty="0" smtClean="0"/>
+              <a:t>  - </a:t>
+            </a:r>
+            <a:r>
+              <a:rPr lang="ko-KR" altLang="en-US" dirty="0" smtClean="0"/>
+              <a:t>중복 가능</a:t>
+            </a:r>
+            <a:endParaRPr lang="en-US" altLang="ko-KR" dirty="0" smtClean="0"/>
+          </a:p>
+          <a:p>
+            <a:pPr marL="0" indent="0">
+              <a:lnSpc>
+                <a:spcPct val="150000"/>
+              </a:lnSpc>
+              <a:buNone/>
+            </a:pPr>
+            <a:r>
+              <a:rPr lang="en-US" altLang="ko-KR" dirty="0"/>
+              <a:t> </a:t>
+            </a:r>
+            <a:r>
+              <a:rPr lang="en-US" altLang="ko-KR" dirty="0" smtClean="0"/>
+              <a:t> - FK </a:t>
+            </a:r>
+            <a:r>
+              <a:rPr lang="ko-KR" altLang="en-US" dirty="0" smtClean="0"/>
+              <a:t>조건이 실행 되어있는 테이블의 데이터가 먼저 삭제 되어야 참조 테이블 데이터 삭제 가능</a:t>
+            </a:r>
+            <a:endParaRPr lang="en-US" altLang="ko-KR" dirty="0"/>
+          </a:p>
+        </p:txBody>
+      </p:sp>
+      <p:sp>
+        <p:nvSpPr>
+          <p:cNvPr id="2" name="직사각형 1"/>
+          <p:cNvSpPr/>
+          <p:nvPr/>
+        </p:nvSpPr>
+        <p:spPr>
+          <a:xfrm>
+            <a:off x="3798962" y="385479"/>
+            <a:ext cx="1399550" cy="369332"/>
+          </a:xfrm>
+          <a:prstGeom prst="rect">
+            <a:avLst/>
+          </a:prstGeom>
+        </p:spPr>
+        <p:txBody>
+          <a:bodyPr wrap="none">
+            <a:spAutoFit/>
+          </a:bodyPr>
+          <a:lstStyle/>
+          <a:p>
+            <a:r>
+              <a:rPr lang="en-US" altLang="ko-KR" dirty="0" smtClean="0"/>
+              <a:t>Foreign key</a:t>
+            </a:r>
+            <a:endParaRPr lang="ko-KR" altLang="en-US" dirty="0"/>
+          </a:p>
+        </p:txBody>
+      </p:sp>
+    </p:spTree>
+    <p:extLst>
+      <p:ext uri="{BB962C8B-B14F-4D97-AF65-F5344CB8AC3E}">
+        <p14:creationId xmlns:p14="http://schemas.microsoft.com/office/powerpoint/2010/main" val="2668522572"/>
+      </p:ext>
+    </p:extLst>
+  </p:cSld>
+  <p:clrMapOvr>
+    <a:masterClrMapping/>
+  </p:clrMapOvr>
+  <p:timing>
+    <p:tnLst>
+      <p:par>
+        <p:cTn id="1" dur="indefinite" restart="never" nodeType="tmRoot"/>
+      </p:par>
+    </p:tnLst>
+  </p:timing>
+</p:sld>
+</file>
+
+<file path=ppt/slides/slide31.xml><?xml version="1.0" encoding="utf-8"?>
+<p:sld xmlns:a="http://schemas.openxmlformats.org/drawingml/2006/main" xmlns:r="http://schemas.openxmlformats.org/officeDocument/2006/relationships" xmlns:p="http://schemas.openxmlformats.org/presentationml/2006/main">
+  <p:cSld>
+    <p:spTree>
+      <p:nvGrpSpPr>
+        <p:cNvPr id="1" name=""/>
+        <p:cNvGrpSpPr/>
+        <p:nvPr/>
+      </p:nvGrpSpPr>
+      <p:grpSpPr>
+        <a:xfrm>
+          <a:off x="0" y="0"/>
+          <a:ext cx="0" cy="0"/>
+          <a:chOff x="0" y="0"/>
+          <a:chExt cx="0" cy="0"/>
+        </a:xfrm>
+      </p:grpSpPr>
+      <p:sp>
+        <p:nvSpPr>
+          <p:cNvPr id="44" name="도형 17"/>
+          <p:cNvSpPr>
+            <a:spLocks/>
+          </p:cNvSpPr>
+          <p:nvPr/>
+        </p:nvSpPr>
+        <p:spPr>
+          <a:xfrm>
+            <a:off x="765868" y="316230"/>
+            <a:ext cx="1107996" cy="507831"/>
+          </a:xfrm>
+          <a:prstGeom prst="rect">
+            <a:avLst/>
+          </a:prstGeom>
+          <a:ln w="0">
+            <a:noFill/>
+            <a:prstDash/>
+          </a:ln>
+        </p:spPr>
+        <p:txBody>
+          <a:bodyPr vert="horz" wrap="none" lIns="91440" tIns="45720" rIns="91440" bIns="45720" numCol="1" anchor="t">
+            <a:spAutoFit/>
+          </a:bodyPr>
+          <a:lstStyle/>
+          <a:p>
+            <a:pPr marL="0" indent="0" latinLnBrk="0">
+              <a:lnSpc>
+                <a:spcPct val="150000"/>
+              </a:lnSpc>
+              <a:buFontTx/>
+              <a:buNone/>
+            </a:pPr>
+            <a:r>
+              <a:rPr lang="ko-KR" altLang="en-US" dirty="0" smtClean="0">
+                <a:solidFill>
+                  <a:schemeClr val="bg1"/>
+                </a:solidFill>
+              </a:rPr>
+              <a:t>제약조건</a:t>
+            </a:r>
+            <a:endParaRPr lang="ko-KR" altLang="en-US" dirty="0">
+              <a:solidFill>
+                <a:schemeClr val="bg1"/>
+              </a:solidFill>
+            </a:endParaRPr>
+          </a:p>
+        </p:txBody>
+      </p:sp>
+      <p:sp>
+        <p:nvSpPr>
           <p:cNvPr id="2" name="직사각형 1"/>
           <p:cNvSpPr/>
           <p:nvPr/>
@@ -15517,10 +17893,446 @@
   <p:clrMapOvr>
     <a:masterClrMapping/>
   </p:clrMapOvr>
+  <p:timing>
+    <p:tnLst>
+      <p:par>
+        <p:cTn id="1" dur="indefinite" restart="never" nodeType="tmRoot"/>
+      </p:par>
+    </p:tnLst>
+  </p:timing>
 </p:sld>
 </file>
 
-<file path=ppt/slides/slide27.xml><?xml version="1.0" encoding="utf-8"?>
+<file path=ppt/slides/slide32.xml><?xml version="1.0" encoding="utf-8"?>
+<p:sld xmlns:a="http://schemas.openxmlformats.org/drawingml/2006/main" xmlns:r="http://schemas.openxmlformats.org/officeDocument/2006/relationships" xmlns:p="http://schemas.openxmlformats.org/presentationml/2006/main">
+  <p:cSld>
+    <p:spTree>
+      <p:nvGrpSpPr>
+        <p:cNvPr id="1" name=""/>
+        <p:cNvGrpSpPr/>
+        <p:nvPr/>
+      </p:nvGrpSpPr>
+      <p:grpSpPr>
+        <a:xfrm>
+          <a:off x="0" y="0"/>
+          <a:ext cx="0" cy="0"/>
+          <a:chOff x="0" y="0"/>
+          <a:chExt cx="0" cy="0"/>
+        </a:xfrm>
+      </p:grpSpPr>
+      <p:sp>
+        <p:nvSpPr>
+          <p:cNvPr id="44" name="도형 17"/>
+          <p:cNvSpPr>
+            <a:spLocks/>
+          </p:cNvSpPr>
+          <p:nvPr/>
+        </p:nvSpPr>
+        <p:spPr>
+          <a:xfrm>
+            <a:off x="765868" y="316230"/>
+            <a:ext cx="1107996" cy="507831"/>
+          </a:xfrm>
+          <a:prstGeom prst="rect">
+            <a:avLst/>
+          </a:prstGeom>
+          <a:ln w="0">
+            <a:noFill/>
+            <a:prstDash/>
+          </a:ln>
+        </p:spPr>
+        <p:txBody>
+          <a:bodyPr vert="horz" wrap="none" lIns="91440" tIns="45720" rIns="91440" bIns="45720" numCol="1" anchor="t">
+            <a:spAutoFit/>
+          </a:bodyPr>
+          <a:lstStyle/>
+          <a:p>
+            <a:pPr marL="0" indent="0" latinLnBrk="0">
+              <a:lnSpc>
+                <a:spcPct val="150000"/>
+              </a:lnSpc>
+              <a:buFontTx/>
+              <a:buNone/>
+            </a:pPr>
+            <a:r>
+              <a:rPr lang="ko-KR" altLang="en-US" dirty="0" smtClean="0">
+                <a:solidFill>
+                  <a:schemeClr val="bg1"/>
+                </a:solidFill>
+              </a:rPr>
+              <a:t>제약조건</a:t>
+            </a:r>
+            <a:endParaRPr lang="ko-KR" altLang="en-US" dirty="0">
+              <a:solidFill>
+                <a:schemeClr val="bg1"/>
+              </a:solidFill>
+            </a:endParaRPr>
+          </a:p>
+        </p:txBody>
+      </p:sp>
+      <p:sp>
+        <p:nvSpPr>
+          <p:cNvPr id="5" name="내용 개체 틀 2"/>
+          <p:cNvSpPr txBox="1">
+            <a:spLocks/>
+          </p:cNvSpPr>
+          <p:nvPr/>
+        </p:nvSpPr>
+        <p:spPr>
+          <a:xfrm>
+            <a:off x="457200" y="1192872"/>
+            <a:ext cx="11222182" cy="4525963"/>
+          </a:xfrm>
+          <a:prstGeom prst="rect">
+            <a:avLst/>
+          </a:prstGeom>
+        </p:spPr>
+        <p:txBody>
+          <a:bodyPr/>
+          <a:lstStyle>
+            <a:lvl1pPr marL="228600" indent="-228600" algn="l" defTabSz="914400" rtl="0" eaLnBrk="1" latinLnBrk="1" hangingPunct="1">
+              <a:lnSpc>
+                <a:spcPct val="90000"/>
+              </a:lnSpc>
+              <a:spcBef>
+                <a:spcPts val="1000"/>
+              </a:spcBef>
+              <a:buFont typeface="Arial" panose="020B0604020202020204" pitchFamily="34" charset="0"/>
+              <a:buChar char="•"/>
+              <a:defRPr sz="2800" kern="1200">
+                <a:solidFill>
+                  <a:schemeClr val="tx1"/>
+                </a:solidFill>
+                <a:latin typeface="+mn-lt"/>
+                <a:ea typeface="+mn-ea"/>
+                <a:cs typeface="+mn-cs"/>
+              </a:defRPr>
+            </a:lvl1pPr>
+            <a:lvl2pPr marL="685800" indent="-228600" algn="l" defTabSz="914400" rtl="0" eaLnBrk="1" latinLnBrk="1" hangingPunct="1">
+              <a:lnSpc>
+                <a:spcPct val="90000"/>
+              </a:lnSpc>
+              <a:spcBef>
+                <a:spcPts val="500"/>
+              </a:spcBef>
+              <a:buFont typeface="Arial" panose="020B0604020202020204" pitchFamily="34" charset="0"/>
+              <a:buChar char="•"/>
+              <a:defRPr sz="2400" kern="1200">
+                <a:solidFill>
+                  <a:schemeClr val="tx1"/>
+                </a:solidFill>
+                <a:latin typeface="+mn-lt"/>
+                <a:ea typeface="+mn-ea"/>
+                <a:cs typeface="+mn-cs"/>
+              </a:defRPr>
+            </a:lvl2pPr>
+            <a:lvl3pPr marL="1143000" indent="-228600" algn="l" defTabSz="914400" rtl="0" eaLnBrk="1" latinLnBrk="1" hangingPunct="1">
+              <a:lnSpc>
+                <a:spcPct val="90000"/>
+              </a:lnSpc>
+              <a:spcBef>
+                <a:spcPts val="500"/>
+              </a:spcBef>
+              <a:buFont typeface="Arial" panose="020B0604020202020204" pitchFamily="34" charset="0"/>
+              <a:buChar char="•"/>
+              <a:defRPr sz="2000" kern="1200">
+                <a:solidFill>
+                  <a:schemeClr val="tx1"/>
+                </a:solidFill>
+                <a:latin typeface="+mn-lt"/>
+                <a:ea typeface="+mn-ea"/>
+                <a:cs typeface="+mn-cs"/>
+              </a:defRPr>
+            </a:lvl3pPr>
+            <a:lvl4pPr marL="1600200" indent="-228600" algn="l" defTabSz="914400" rtl="0" eaLnBrk="1" latinLnBrk="1" hangingPunct="1">
+              <a:lnSpc>
+                <a:spcPct val="90000"/>
+              </a:lnSpc>
+              <a:spcBef>
+                <a:spcPts val="500"/>
+              </a:spcBef>
+              <a:buFont typeface="Arial" panose="020B0604020202020204" pitchFamily="34" charset="0"/>
+              <a:buChar char="•"/>
+              <a:defRPr sz="1800" kern="1200">
+                <a:solidFill>
+                  <a:schemeClr val="tx1"/>
+                </a:solidFill>
+                <a:latin typeface="+mn-lt"/>
+                <a:ea typeface="+mn-ea"/>
+                <a:cs typeface="+mn-cs"/>
+              </a:defRPr>
+            </a:lvl4pPr>
+            <a:lvl5pPr marL="2057400" indent="-228600" algn="l" defTabSz="914400" rtl="0" eaLnBrk="1" latinLnBrk="1" hangingPunct="1">
+              <a:lnSpc>
+                <a:spcPct val="90000"/>
+              </a:lnSpc>
+              <a:spcBef>
+                <a:spcPts val="500"/>
+              </a:spcBef>
+              <a:buFont typeface="Arial" panose="020B0604020202020204" pitchFamily="34" charset="0"/>
+              <a:buChar char="•"/>
+              <a:defRPr sz="1800" kern="1200">
+                <a:solidFill>
+                  <a:schemeClr val="tx1"/>
+                </a:solidFill>
+                <a:latin typeface="+mn-lt"/>
+                <a:ea typeface="+mn-ea"/>
+                <a:cs typeface="+mn-cs"/>
+              </a:defRPr>
+            </a:lvl5pPr>
+            <a:lvl6pPr marL="2514600" indent="-228600" algn="l" defTabSz="914400" rtl="0" eaLnBrk="1" latinLnBrk="1" hangingPunct="1">
+              <a:lnSpc>
+                <a:spcPct val="90000"/>
+              </a:lnSpc>
+              <a:spcBef>
+                <a:spcPts val="500"/>
+              </a:spcBef>
+              <a:buFont typeface="Arial" panose="020B0604020202020204" pitchFamily="34" charset="0"/>
+              <a:buChar char="•"/>
+              <a:defRPr sz="1800" kern="1200">
+                <a:solidFill>
+                  <a:schemeClr val="tx1"/>
+                </a:solidFill>
+                <a:latin typeface="+mn-lt"/>
+                <a:ea typeface="+mn-ea"/>
+                <a:cs typeface="+mn-cs"/>
+              </a:defRPr>
+            </a:lvl6pPr>
+            <a:lvl7pPr marL="2971800" indent="-228600" algn="l" defTabSz="914400" rtl="0" eaLnBrk="1" latinLnBrk="1" hangingPunct="1">
+              <a:lnSpc>
+                <a:spcPct val="90000"/>
+              </a:lnSpc>
+              <a:spcBef>
+                <a:spcPts val="500"/>
+              </a:spcBef>
+              <a:buFont typeface="Arial" panose="020B0604020202020204" pitchFamily="34" charset="0"/>
+              <a:buChar char="•"/>
+              <a:defRPr sz="1800" kern="1200">
+                <a:solidFill>
+                  <a:schemeClr val="tx1"/>
+                </a:solidFill>
+                <a:latin typeface="+mn-lt"/>
+                <a:ea typeface="+mn-ea"/>
+                <a:cs typeface="+mn-cs"/>
+              </a:defRPr>
+            </a:lvl7pPr>
+            <a:lvl8pPr marL="3429000" indent="-228600" algn="l" defTabSz="914400" rtl="0" eaLnBrk="1" latinLnBrk="1" hangingPunct="1">
+              <a:lnSpc>
+                <a:spcPct val="90000"/>
+              </a:lnSpc>
+              <a:spcBef>
+                <a:spcPts val="500"/>
+              </a:spcBef>
+              <a:buFont typeface="Arial" panose="020B0604020202020204" pitchFamily="34" charset="0"/>
+              <a:buChar char="•"/>
+              <a:defRPr sz="1800" kern="1200">
+                <a:solidFill>
+                  <a:schemeClr val="tx1"/>
+                </a:solidFill>
+                <a:latin typeface="+mn-lt"/>
+                <a:ea typeface="+mn-ea"/>
+                <a:cs typeface="+mn-cs"/>
+              </a:defRPr>
+            </a:lvl8pPr>
+            <a:lvl9pPr marL="3886200" indent="-228600" algn="l" defTabSz="914400" rtl="0" eaLnBrk="1" latinLnBrk="1" hangingPunct="1">
+              <a:lnSpc>
+                <a:spcPct val="90000"/>
+              </a:lnSpc>
+              <a:spcBef>
+                <a:spcPts val="500"/>
+              </a:spcBef>
+              <a:buFont typeface="Arial" panose="020B0604020202020204" pitchFamily="34" charset="0"/>
+              <a:buChar char="•"/>
+              <a:defRPr sz="1800" kern="1200">
+                <a:solidFill>
+                  <a:schemeClr val="tx1"/>
+                </a:solidFill>
+                <a:latin typeface="+mn-lt"/>
+                <a:ea typeface="+mn-ea"/>
+                <a:cs typeface="+mn-cs"/>
+              </a:defRPr>
+            </a:lvl9pPr>
+          </a:lstStyle>
+          <a:p>
+            <a:pPr marL="0" indent="0">
+              <a:lnSpc>
+                <a:spcPct val="100000"/>
+              </a:lnSpc>
+              <a:buNone/>
+            </a:pPr>
+            <a:r>
+              <a:rPr lang="ko-KR" altLang="en-US" dirty="0" smtClean="0"/>
+              <a:t>작성 방법</a:t>
+            </a:r>
+            <a:endParaRPr lang="en-US" altLang="ko-KR" dirty="0" smtClean="0"/>
+          </a:p>
+          <a:p>
+            <a:pPr marL="0" indent="0">
+              <a:lnSpc>
+                <a:spcPct val="100000"/>
+              </a:lnSpc>
+              <a:buNone/>
+            </a:pPr>
+            <a:r>
+              <a:rPr lang="en-US" altLang="ko-KR" dirty="0"/>
+              <a:t> </a:t>
+            </a:r>
+            <a:r>
+              <a:rPr lang="en-US" altLang="ko-KR" dirty="0" smtClean="0"/>
+              <a:t> 2. </a:t>
+            </a:r>
+            <a:r>
+              <a:rPr lang="ko-KR" altLang="en-US" dirty="0" smtClean="0"/>
+              <a:t>테이블 변경</a:t>
+            </a:r>
+            <a:endParaRPr lang="en-US" altLang="ko-KR" dirty="0" smtClean="0"/>
+          </a:p>
+          <a:p>
+            <a:pPr marL="0" indent="0">
+              <a:lnSpc>
+                <a:spcPct val="100000"/>
+              </a:lnSpc>
+              <a:buNone/>
+            </a:pPr>
+            <a:r>
+              <a:rPr lang="en-US" altLang="ko-KR" dirty="0" smtClean="0"/>
+              <a:t>  ALTER TABLE </a:t>
+            </a:r>
+            <a:r>
+              <a:rPr lang="ko-KR" altLang="en-US" dirty="0" err="1" smtClean="0"/>
+              <a:t>테이블명</a:t>
+            </a:r>
+            <a:endParaRPr lang="en-US" altLang="ko-KR" dirty="0" smtClean="0"/>
+          </a:p>
+          <a:p>
+            <a:pPr marL="0" indent="0">
+              <a:lnSpc>
+                <a:spcPct val="100000"/>
+              </a:lnSpc>
+              <a:buNone/>
+            </a:pPr>
+            <a:r>
+              <a:rPr lang="en-US" altLang="ko-KR" dirty="0" smtClean="0"/>
+              <a:t>  ADD CONSTRAINT </a:t>
+            </a:r>
+            <a:r>
+              <a:rPr lang="en-US" altLang="ko-KR" dirty="0" smtClean="0"/>
+              <a:t>FOREIGN</a:t>
+            </a:r>
+            <a:r>
+              <a:rPr lang="en-US" altLang="ko-KR" dirty="0" smtClean="0"/>
+              <a:t> </a:t>
+            </a:r>
+            <a:r>
+              <a:rPr lang="en-US" altLang="ko-KR" dirty="0" smtClean="0"/>
+              <a:t>KEY(</a:t>
+            </a:r>
+            <a:r>
+              <a:rPr lang="ko-KR" altLang="en-US" dirty="0" err="1" smtClean="0"/>
+              <a:t>컬럼명</a:t>
+            </a:r>
+            <a:r>
+              <a:rPr lang="en-US" altLang="ko-KR" dirty="0" smtClean="0"/>
+              <a:t>, </a:t>
+            </a:r>
+            <a:r>
+              <a:rPr lang="en-US" altLang="ko-KR" dirty="0" smtClean="0"/>
+              <a:t>…)</a:t>
+            </a:r>
+          </a:p>
+          <a:p>
+            <a:pPr marL="0" indent="0">
+              <a:lnSpc>
+                <a:spcPct val="100000"/>
+              </a:lnSpc>
+              <a:buNone/>
+            </a:pPr>
+            <a:r>
+              <a:rPr lang="en-US" altLang="ko-KR" dirty="0"/>
+              <a:t> </a:t>
+            </a:r>
+            <a:r>
+              <a:rPr lang="en-US" altLang="ko-KR" dirty="0" smtClean="0"/>
+              <a:t> </a:t>
+            </a:r>
+            <a:r>
+              <a:rPr lang="en-US" altLang="ko-KR" dirty="0"/>
+              <a:t>REFERENCES </a:t>
+            </a:r>
+            <a:r>
+              <a:rPr lang="ko-KR" altLang="en-US" dirty="0" err="1"/>
+              <a:t>테이블명</a:t>
+            </a:r>
+            <a:r>
+              <a:rPr lang="en-US" altLang="ko-KR" dirty="0"/>
+              <a:t>(</a:t>
+            </a:r>
+            <a:r>
+              <a:rPr lang="ko-KR" altLang="en-US" dirty="0" err="1"/>
+              <a:t>컬럼명</a:t>
+            </a:r>
+            <a:r>
+              <a:rPr lang="en-US" altLang="ko-KR" dirty="0" smtClean="0"/>
+              <a:t>,…)	</a:t>
+            </a:r>
+            <a:r>
+              <a:rPr lang="en-US" altLang="ko-KR" dirty="0" smtClean="0"/>
+              <a:t>;</a:t>
+            </a:r>
+            <a:endParaRPr lang="en-US" altLang="ko-KR" dirty="0"/>
+          </a:p>
+        </p:txBody>
+      </p:sp>
+      <p:sp>
+        <p:nvSpPr>
+          <p:cNvPr id="6" name="직사각형 5"/>
+          <p:cNvSpPr/>
+          <p:nvPr/>
+        </p:nvSpPr>
+        <p:spPr>
+          <a:xfrm>
+            <a:off x="3798962" y="385479"/>
+            <a:ext cx="1399550" cy="369332"/>
+          </a:xfrm>
+          <a:prstGeom prst="rect">
+            <a:avLst/>
+          </a:prstGeom>
+        </p:spPr>
+        <p:txBody>
+          <a:bodyPr wrap="none">
+            <a:spAutoFit/>
+          </a:bodyPr>
+          <a:lstStyle/>
+          <a:p>
+            <a:r>
+              <a:rPr lang="en-US" altLang="ko-KR" dirty="0" smtClean="0"/>
+              <a:t>Foreign key</a:t>
+            </a:r>
+            <a:endParaRPr lang="ko-KR" altLang="en-US" dirty="0"/>
+          </a:p>
+        </p:txBody>
+      </p:sp>
+    </p:spTree>
+    <p:extLst>
+      <p:ext uri="{BB962C8B-B14F-4D97-AF65-F5344CB8AC3E}">
+        <p14:creationId xmlns:p14="http://schemas.microsoft.com/office/powerpoint/2010/main" val="1480155093"/>
+      </p:ext>
+    </p:extLst>
+  </p:cSld>
+  <p:clrMapOvr>
+    <a:masterClrMapping/>
+  </p:clrMapOvr>
+  <p:timing>
+    <p:tnLst>
+      <p:par>
+        <p:cTn id="1" dur="indefinite" restart="never" nodeType="tmRoot"/>
+      </p:par>
+    </p:tnLst>
+  </p:timing>
+</p:sld>
+</file>
+
+<file path=ppt/slides/slide33.xml><?xml version="1.0" encoding="utf-8"?>
 <p:sld xmlns:a="http://schemas.openxmlformats.org/drawingml/2006/main" xmlns:r="http://schemas.openxmlformats.org/officeDocument/2006/relationships" xmlns:p="http://schemas.openxmlformats.org/presentationml/2006/main">
   <p:cSld>
     <p:spTree>
@@ -16027,10 +18839,17 @@
   <p:clrMapOvr>
     <a:masterClrMapping/>
   </p:clrMapOvr>
+  <p:timing>
+    <p:tnLst>
+      <p:par>
+        <p:cTn id="1" dur="indefinite" restart="never" nodeType="tmRoot"/>
+      </p:par>
+    </p:tnLst>
+  </p:timing>
 </p:sld>
 </file>
 
-<file path=ppt/slides/slide28.xml><?xml version="1.0" encoding="utf-8"?>
+<file path=ppt/slides/slide34.xml><?xml version="1.0" encoding="utf-8"?>
 <p:sld xmlns:a="http://schemas.openxmlformats.org/drawingml/2006/main" xmlns:r="http://schemas.openxmlformats.org/officeDocument/2006/relationships" xmlns:p="http://schemas.openxmlformats.org/presentationml/2006/main">
   <p:cSld>
     <p:spTree>
@@ -16492,370 +19311,13 @@
   <p:clrMapOvr>
     <a:masterClrMapping/>
   </p:clrMapOvr>
-</p:sld>
-</file>
-
-<file path=ppt/slides/slide3.xml><?xml version="1.0" encoding="utf-8"?>
-<p:sld xmlns:a="http://schemas.openxmlformats.org/drawingml/2006/main" xmlns:r="http://schemas.openxmlformats.org/officeDocument/2006/relationships" xmlns:p="http://schemas.openxmlformats.org/presentationml/2006/main">
-  <p:cSld>
-    <p:spTree>
-      <p:nvGrpSpPr>
-        <p:cNvPr id="1" name=""/>
-        <p:cNvGrpSpPr/>
-        <p:nvPr/>
-      </p:nvGrpSpPr>
-      <p:grpSpPr>
-        <a:xfrm>
-          <a:off x="0" y="0"/>
-          <a:ext cx="0" cy="0"/>
-          <a:chOff x="0" y="0"/>
-          <a:chExt cx="0" cy="0"/>
-        </a:xfrm>
-      </p:grpSpPr>
-      <p:sp>
-        <p:nvSpPr>
-          <p:cNvPr id="44" name="도형 17"/>
-          <p:cNvSpPr>
-            <a:spLocks/>
-          </p:cNvSpPr>
-          <p:nvPr/>
-        </p:nvSpPr>
-        <p:spPr>
-          <a:xfrm>
-            <a:off x="765868" y="316230"/>
-            <a:ext cx="1107996" cy="507831"/>
-          </a:xfrm>
-          <a:prstGeom prst="rect">
-            <a:avLst/>
-          </a:prstGeom>
-          <a:ln w="0">
-            <a:noFill/>
-            <a:prstDash/>
-          </a:ln>
-        </p:spPr>
-        <p:txBody>
-          <a:bodyPr vert="horz" wrap="none" lIns="91440" tIns="45720" rIns="91440" bIns="45720" numCol="1" anchor="t">
-            <a:spAutoFit/>
-          </a:bodyPr>
-          <a:lstStyle/>
-          <a:p>
-            <a:pPr marL="0" indent="0" latinLnBrk="0">
-              <a:lnSpc>
-                <a:spcPct val="150000"/>
-              </a:lnSpc>
-              <a:buFontTx/>
-              <a:buNone/>
-            </a:pPr>
-            <a:r>
-              <a:rPr lang="ko-KR" altLang="en-US" dirty="0" smtClean="0">
-                <a:solidFill>
-                  <a:schemeClr val="bg1"/>
-                </a:solidFill>
-              </a:rPr>
-              <a:t>제약조건</a:t>
-            </a:r>
-            <a:endParaRPr lang="ko-KR" altLang="en-US" dirty="0">
-              <a:solidFill>
-                <a:schemeClr val="bg1"/>
-              </a:solidFill>
-            </a:endParaRPr>
-          </a:p>
-        </p:txBody>
-      </p:sp>
-      <p:sp>
-        <p:nvSpPr>
-          <p:cNvPr id="7" name="내용 개체 틀 2"/>
-          <p:cNvSpPr txBox="1">
-            <a:spLocks/>
-          </p:cNvSpPr>
-          <p:nvPr/>
-        </p:nvSpPr>
-        <p:spPr>
-          <a:xfrm>
-            <a:off x="457200" y="1334192"/>
-            <a:ext cx="11222182" cy="4525963"/>
-          </a:xfrm>
-          <a:prstGeom prst="rect">
-            <a:avLst/>
-          </a:prstGeom>
-        </p:spPr>
-        <p:txBody>
-          <a:bodyPr/>
-          <a:lstStyle>
-            <a:lvl1pPr marL="228600" indent="-228600" algn="l" defTabSz="914400" rtl="0" eaLnBrk="1" latinLnBrk="1" hangingPunct="1">
-              <a:lnSpc>
-                <a:spcPct val="90000"/>
-              </a:lnSpc>
-              <a:spcBef>
-                <a:spcPts val="1000"/>
-              </a:spcBef>
-              <a:buFont typeface="Arial" panose="020B0604020202020204" pitchFamily="34" charset="0"/>
-              <a:buChar char="•"/>
-              <a:defRPr sz="2800" kern="1200">
-                <a:solidFill>
-                  <a:schemeClr val="tx1"/>
-                </a:solidFill>
-                <a:latin typeface="+mn-lt"/>
-                <a:ea typeface="+mn-ea"/>
-                <a:cs typeface="+mn-cs"/>
-              </a:defRPr>
-            </a:lvl1pPr>
-            <a:lvl2pPr marL="685800" indent="-228600" algn="l" defTabSz="914400" rtl="0" eaLnBrk="1" latinLnBrk="1" hangingPunct="1">
-              <a:lnSpc>
-                <a:spcPct val="90000"/>
-              </a:lnSpc>
-              <a:spcBef>
-                <a:spcPts val="500"/>
-              </a:spcBef>
-              <a:buFont typeface="Arial" panose="020B0604020202020204" pitchFamily="34" charset="0"/>
-              <a:buChar char="•"/>
-              <a:defRPr sz="2400" kern="1200">
-                <a:solidFill>
-                  <a:schemeClr val="tx1"/>
-                </a:solidFill>
-                <a:latin typeface="+mn-lt"/>
-                <a:ea typeface="+mn-ea"/>
-                <a:cs typeface="+mn-cs"/>
-              </a:defRPr>
-            </a:lvl2pPr>
-            <a:lvl3pPr marL="1143000" indent="-228600" algn="l" defTabSz="914400" rtl="0" eaLnBrk="1" latinLnBrk="1" hangingPunct="1">
-              <a:lnSpc>
-                <a:spcPct val="90000"/>
-              </a:lnSpc>
-              <a:spcBef>
-                <a:spcPts val="500"/>
-              </a:spcBef>
-              <a:buFont typeface="Arial" panose="020B0604020202020204" pitchFamily="34" charset="0"/>
-              <a:buChar char="•"/>
-              <a:defRPr sz="2000" kern="1200">
-                <a:solidFill>
-                  <a:schemeClr val="tx1"/>
-                </a:solidFill>
-                <a:latin typeface="+mn-lt"/>
-                <a:ea typeface="+mn-ea"/>
-                <a:cs typeface="+mn-cs"/>
-              </a:defRPr>
-            </a:lvl3pPr>
-            <a:lvl4pPr marL="1600200" indent="-228600" algn="l" defTabSz="914400" rtl="0" eaLnBrk="1" latinLnBrk="1" hangingPunct="1">
-              <a:lnSpc>
-                <a:spcPct val="90000"/>
-              </a:lnSpc>
-              <a:spcBef>
-                <a:spcPts val="500"/>
-              </a:spcBef>
-              <a:buFont typeface="Arial" panose="020B0604020202020204" pitchFamily="34" charset="0"/>
-              <a:buChar char="•"/>
-              <a:defRPr sz="1800" kern="1200">
-                <a:solidFill>
-                  <a:schemeClr val="tx1"/>
-                </a:solidFill>
-                <a:latin typeface="+mn-lt"/>
-                <a:ea typeface="+mn-ea"/>
-                <a:cs typeface="+mn-cs"/>
-              </a:defRPr>
-            </a:lvl4pPr>
-            <a:lvl5pPr marL="2057400" indent="-228600" algn="l" defTabSz="914400" rtl="0" eaLnBrk="1" latinLnBrk="1" hangingPunct="1">
-              <a:lnSpc>
-                <a:spcPct val="90000"/>
-              </a:lnSpc>
-              <a:spcBef>
-                <a:spcPts val="500"/>
-              </a:spcBef>
-              <a:buFont typeface="Arial" panose="020B0604020202020204" pitchFamily="34" charset="0"/>
-              <a:buChar char="•"/>
-              <a:defRPr sz="1800" kern="1200">
-                <a:solidFill>
-                  <a:schemeClr val="tx1"/>
-                </a:solidFill>
-                <a:latin typeface="+mn-lt"/>
-                <a:ea typeface="+mn-ea"/>
-                <a:cs typeface="+mn-cs"/>
-              </a:defRPr>
-            </a:lvl5pPr>
-            <a:lvl6pPr marL="2514600" indent="-228600" algn="l" defTabSz="914400" rtl="0" eaLnBrk="1" latinLnBrk="1" hangingPunct="1">
-              <a:lnSpc>
-                <a:spcPct val="90000"/>
-              </a:lnSpc>
-              <a:spcBef>
-                <a:spcPts val="500"/>
-              </a:spcBef>
-              <a:buFont typeface="Arial" panose="020B0604020202020204" pitchFamily="34" charset="0"/>
-              <a:buChar char="•"/>
-              <a:defRPr sz="1800" kern="1200">
-                <a:solidFill>
-                  <a:schemeClr val="tx1"/>
-                </a:solidFill>
-                <a:latin typeface="+mn-lt"/>
-                <a:ea typeface="+mn-ea"/>
-                <a:cs typeface="+mn-cs"/>
-              </a:defRPr>
-            </a:lvl6pPr>
-            <a:lvl7pPr marL="2971800" indent="-228600" algn="l" defTabSz="914400" rtl="0" eaLnBrk="1" latinLnBrk="1" hangingPunct="1">
-              <a:lnSpc>
-                <a:spcPct val="90000"/>
-              </a:lnSpc>
-              <a:spcBef>
-                <a:spcPts val="500"/>
-              </a:spcBef>
-              <a:buFont typeface="Arial" panose="020B0604020202020204" pitchFamily="34" charset="0"/>
-              <a:buChar char="•"/>
-              <a:defRPr sz="1800" kern="1200">
-                <a:solidFill>
-                  <a:schemeClr val="tx1"/>
-                </a:solidFill>
-                <a:latin typeface="+mn-lt"/>
-                <a:ea typeface="+mn-ea"/>
-                <a:cs typeface="+mn-cs"/>
-              </a:defRPr>
-            </a:lvl7pPr>
-            <a:lvl8pPr marL="3429000" indent="-228600" algn="l" defTabSz="914400" rtl="0" eaLnBrk="1" latinLnBrk="1" hangingPunct="1">
-              <a:lnSpc>
-                <a:spcPct val="90000"/>
-              </a:lnSpc>
-              <a:spcBef>
-                <a:spcPts val="500"/>
-              </a:spcBef>
-              <a:buFont typeface="Arial" panose="020B0604020202020204" pitchFamily="34" charset="0"/>
-              <a:buChar char="•"/>
-              <a:defRPr sz="1800" kern="1200">
-                <a:solidFill>
-                  <a:schemeClr val="tx1"/>
-                </a:solidFill>
-                <a:latin typeface="+mn-lt"/>
-                <a:ea typeface="+mn-ea"/>
-                <a:cs typeface="+mn-cs"/>
-              </a:defRPr>
-            </a:lvl8pPr>
-            <a:lvl9pPr marL="3886200" indent="-228600" algn="l" defTabSz="914400" rtl="0" eaLnBrk="1" latinLnBrk="1" hangingPunct="1">
-              <a:lnSpc>
-                <a:spcPct val="90000"/>
-              </a:lnSpc>
-              <a:spcBef>
-                <a:spcPts val="500"/>
-              </a:spcBef>
-              <a:buFont typeface="Arial" panose="020B0604020202020204" pitchFamily="34" charset="0"/>
-              <a:buChar char="•"/>
-              <a:defRPr sz="1800" kern="1200">
-                <a:solidFill>
-                  <a:schemeClr val="tx1"/>
-                </a:solidFill>
-                <a:latin typeface="+mn-lt"/>
-                <a:ea typeface="+mn-ea"/>
-                <a:cs typeface="+mn-cs"/>
-              </a:defRPr>
-            </a:lvl9pPr>
-          </a:lstStyle>
-          <a:p>
-            <a:pPr marL="0" indent="0">
-              <a:lnSpc>
-                <a:spcPct val="150000"/>
-              </a:lnSpc>
-              <a:buNone/>
-            </a:pPr>
-            <a:r>
-              <a:rPr lang="en-US" altLang="ko-KR" dirty="0" smtClean="0"/>
-              <a:t>Default </a:t>
-            </a:r>
-            <a:r>
-              <a:rPr lang="ko-KR" altLang="en-US" dirty="0" smtClean="0"/>
-              <a:t>제약조건</a:t>
-            </a:r>
-            <a:endParaRPr lang="en-US" altLang="ko-KR" dirty="0" smtClean="0"/>
-          </a:p>
-          <a:p>
-            <a:pPr marL="0" indent="0">
-              <a:lnSpc>
-                <a:spcPct val="150000"/>
-              </a:lnSpc>
-              <a:buNone/>
-            </a:pPr>
-            <a:r>
-              <a:rPr lang="en-US" altLang="ko-KR" dirty="0"/>
-              <a:t> </a:t>
-            </a:r>
-            <a:r>
-              <a:rPr lang="en-US" altLang="ko-KR" dirty="0" smtClean="0"/>
-              <a:t> - </a:t>
-            </a:r>
-            <a:r>
-              <a:rPr lang="ko-KR" altLang="en-US" dirty="0" smtClean="0"/>
-              <a:t>컬럼</a:t>
-            </a:r>
-            <a:r>
-              <a:rPr lang="en-US" altLang="ko-KR" dirty="0" smtClean="0"/>
-              <a:t>(field)</a:t>
-            </a:r>
-            <a:r>
-              <a:rPr lang="ko-KR" altLang="en-US" dirty="0" smtClean="0"/>
-              <a:t>에 기본 값을 설정할 수 있게 해 준다</a:t>
-            </a:r>
-            <a:r>
-              <a:rPr lang="en-US" altLang="ko-KR" dirty="0" smtClean="0"/>
-              <a:t>.</a:t>
-            </a:r>
-          </a:p>
-          <a:p>
-            <a:pPr marL="0" indent="0">
-              <a:lnSpc>
-                <a:spcPct val="150000"/>
-              </a:lnSpc>
-              <a:buNone/>
-            </a:pPr>
-            <a:r>
-              <a:rPr lang="en-US" altLang="ko-KR" dirty="0"/>
-              <a:t> </a:t>
-            </a:r>
-            <a:r>
-              <a:rPr lang="en-US" altLang="ko-KR" dirty="0" smtClean="0"/>
-              <a:t> - </a:t>
-            </a:r>
-            <a:r>
-              <a:rPr lang="ko-KR" altLang="en-US" dirty="0" smtClean="0"/>
-              <a:t>입력하지 않아도 기본적으로 입력이 되어 값의 누락 방지</a:t>
-            </a:r>
-            <a:endParaRPr lang="en-US" altLang="ko-KR" dirty="0"/>
-          </a:p>
-        </p:txBody>
-      </p:sp>
-      <p:sp>
-        <p:nvSpPr>
-          <p:cNvPr id="2" name="직사각형 1"/>
-          <p:cNvSpPr/>
-          <p:nvPr/>
-        </p:nvSpPr>
-        <p:spPr>
-          <a:xfrm>
-            <a:off x="3798962" y="385479"/>
-            <a:ext cx="936475" cy="369332"/>
-          </a:xfrm>
-          <a:prstGeom prst="rect">
-            <a:avLst/>
-          </a:prstGeom>
-        </p:spPr>
-        <p:txBody>
-          <a:bodyPr wrap="none">
-            <a:spAutoFit/>
-          </a:bodyPr>
-          <a:lstStyle/>
-          <a:p>
-            <a:r>
-              <a:rPr lang="en-US" altLang="ko-KR" dirty="0"/>
-              <a:t>Default</a:t>
-            </a:r>
-            <a:endParaRPr lang="ko-KR" altLang="en-US" dirty="0"/>
-          </a:p>
-        </p:txBody>
-      </p:sp>
-    </p:spTree>
-    <p:extLst>
-      <p:ext uri="{BB962C8B-B14F-4D97-AF65-F5344CB8AC3E}">
-        <p14:creationId xmlns:p14="http://schemas.microsoft.com/office/powerpoint/2010/main" val="739206379"/>
-      </p:ext>
-    </p:extLst>
-  </p:cSld>
-  <p:clrMapOvr>
-    <a:masterClrMapping/>
-  </p:clrMapOvr>
+  <p:timing>
+    <p:tnLst>
+      <p:par>
+        <p:cTn id="1" dur="indefinite" restart="never" nodeType="tmRoot"/>
+      </p:par>
+    </p:tnLst>
+  </p:timing>
 </p:sld>
 </file>
 
@@ -17282,6 +19744,13 @@
   <p:clrMapOvr>
     <a:masterClrMapping/>
   </p:clrMapOvr>
+  <p:timing>
+    <p:tnLst>
+      <p:par>
+        <p:cTn id="1" dur="indefinite" restart="never" nodeType="tmRoot"/>
+      </p:par>
+    </p:tnLst>
+  </p:timing>
 </p:sld>
 </file>
 
@@ -17698,6 +20167,13 @@
   <p:clrMapOvr>
     <a:masterClrMapping/>
   </p:clrMapOvr>
+  <p:timing>
+    <p:tnLst>
+      <p:par>
+        <p:cTn id="1" dur="indefinite" restart="never" nodeType="tmRoot"/>
+      </p:par>
+    </p:tnLst>
+  </p:timing>
 </p:sld>
 </file>
 
@@ -18023,11 +20499,7 @@
             </a:r>
             <a:r>
               <a:rPr lang="en-US" altLang="ko-KR" dirty="0" smtClean="0"/>
-              <a:t>  </a:t>
-            </a:r>
-            <a:r>
-              <a:rPr lang="en-US" altLang="ko-KR" dirty="0" smtClean="0"/>
-              <a:t>MODIFY COLUMN </a:t>
+              <a:t>  MODIFY COLUMN </a:t>
             </a:r>
             <a:r>
               <a:rPr lang="ko-KR" altLang="en-US" dirty="0" err="1" smtClean="0"/>
@@ -18101,6 +20573,13 @@
   <p:clrMapOvr>
     <a:masterClrMapping/>
   </p:clrMapOvr>
+  <p:timing>
+    <p:tnLst>
+      <p:par>
+        <p:cTn id="1" dur="indefinite" restart="never" nodeType="tmRoot"/>
+      </p:par>
+    </p:tnLst>
+  </p:timing>
 </p:sld>
 </file>
 
@@ -18376,11 +20855,7 @@
             </a:pPr>
             <a:r>
               <a:rPr lang="en-US" altLang="ko-KR" sz="2400" dirty="0" smtClean="0"/>
-              <a:t> ALTER TABLE customer MODIFY COLUMN</a:t>
-            </a:r>
-            <a:r>
-              <a:rPr lang="en-US" altLang="ko-KR" sz="2400" dirty="0" smtClean="0"/>
-              <a:t> age </a:t>
+              <a:t> ALTER TABLE customer MODIFY COLUMN age </a:t>
             </a:r>
             <a:r>
               <a:rPr lang="en-US" altLang="ko-KR" sz="2400" dirty="0" err="1" smtClean="0"/>
@@ -18481,6 +20956,13 @@
   <p:clrMapOvr>
     <a:masterClrMapping/>
   </p:clrMapOvr>
+  <p:timing>
+    <p:tnLst>
+      <p:par>
+        <p:cTn id="1" dur="indefinite" restart="never" nodeType="tmRoot"/>
+      </p:par>
+    </p:tnLst>
+  </p:timing>
 </p:sld>
 </file>
 
@@ -18869,6 +21351,13 @@
   <p:clrMapOvr>
     <a:masterClrMapping/>
   </p:clrMapOvr>
+  <p:timing>
+    <p:tnLst>
+      <p:par>
+        <p:cTn id="1" dur="indefinite" restart="never" nodeType="tmRoot"/>
+      </p:par>
+    </p:tnLst>
+  </p:timing>
 </p:sld>
 </file>
 
@@ -19237,6 +21726,13 @@
   <p:clrMapOvr>
     <a:masterClrMapping/>
   </p:clrMapOvr>
+  <p:timing>
+    <p:tnLst>
+      <p:par>
+        <p:cTn id="1" dur="indefinite" restart="never" nodeType="tmRoot"/>
+      </p:par>
+    </p:tnLst>
+  </p:timing>
 </p:sld>
 </file>
 
